--- a/KlaraOpp-Quiz.pptx
+++ b/KlaraOpp-Quiz.pptx
@@ -4,11 +4,23 @@
   <p:sldMasterIdLst>
     <p:sldMasterId id="2147483744" r:id="rId1"/>
   </p:sldMasterIdLst>
+  <p:notesMasterIdLst>
+    <p:notesMasterId r:id="rId15"/>
+  </p:notesMasterIdLst>
   <p:sldIdLst>
     <p:sldId id="256" r:id="rId2"/>
     <p:sldId id="257" r:id="rId3"/>
     <p:sldId id="258" r:id="rId4"/>
     <p:sldId id="259" r:id="rId5"/>
+    <p:sldId id="261" r:id="rId6"/>
+    <p:sldId id="260" r:id="rId7"/>
+    <p:sldId id="262" r:id="rId8"/>
+    <p:sldId id="263" r:id="rId9"/>
+    <p:sldId id="264" r:id="rId10"/>
+    <p:sldId id="265" r:id="rId11"/>
+    <p:sldId id="266" r:id="rId12"/>
+    <p:sldId id="267" r:id="rId13"/>
+    <p:sldId id="268" r:id="rId14"/>
   </p:sldIdLst>
   <p:sldSz cx="9144000" cy="6858000" type="screen4x3"/>
   <p:notesSz cx="6858000" cy="9144000"/>
@@ -110,6 +122,872 @@
 </p:presentation>
 </file>
 
+<file path=ppt/notesMasters/notesMaster1.xml><?xml version="1.0" encoding="utf-8"?>
+<p:notesMaster xmlns:a="http://schemas.openxmlformats.org/drawingml/2006/main" xmlns:r="http://schemas.openxmlformats.org/officeDocument/2006/relationships" xmlns:p="http://schemas.openxmlformats.org/presentationml/2006/main">
+  <p:cSld>
+    <p:bg>
+      <p:bgRef idx="1001">
+        <a:schemeClr val="bg1"/>
+      </p:bgRef>
+    </p:bg>
+    <p:spTree>
+      <p:nvGrpSpPr>
+        <p:cNvPr id="1" name=""/>
+        <p:cNvGrpSpPr/>
+        <p:nvPr/>
+      </p:nvGrpSpPr>
+      <p:grpSpPr>
+        <a:xfrm>
+          <a:off x="0" y="0"/>
+          <a:ext cx="0" cy="0"/>
+          <a:chOff x="0" y="0"/>
+          <a:chExt cx="0" cy="0"/>
+        </a:xfrm>
+      </p:grpSpPr>
+      <p:sp>
+        <p:nvSpPr>
+          <p:cNvPr id="2" name="Kopfzeilenplatzhalter 1"/>
+          <p:cNvSpPr>
+            <a:spLocks noGrp="1"/>
+          </p:cNvSpPr>
+          <p:nvPr>
+            <p:ph type="hdr" sz="quarter"/>
+          </p:nvPr>
+        </p:nvSpPr>
+        <p:spPr>
+          <a:xfrm>
+            <a:off x="0" y="0"/>
+            <a:ext cx="2971800" cy="457200"/>
+          </a:xfrm>
+          <a:prstGeom prst="rect">
+            <a:avLst/>
+          </a:prstGeom>
+        </p:spPr>
+        <p:txBody>
+          <a:bodyPr vert="horz" lIns="91440" tIns="45720" rIns="91440" bIns="45720" rtlCol="0"/>
+          <a:lstStyle>
+            <a:lvl1pPr algn="l">
+              <a:defRPr sz="1200"/>
+            </a:lvl1pPr>
+          </a:lstStyle>
+          <a:p>
+            <a:endParaRPr lang="de-DE"/>
+          </a:p>
+        </p:txBody>
+      </p:sp>
+      <p:sp>
+        <p:nvSpPr>
+          <p:cNvPr id="3" name="Datumsplatzhalter 2"/>
+          <p:cNvSpPr>
+            <a:spLocks noGrp="1"/>
+          </p:cNvSpPr>
+          <p:nvPr>
+            <p:ph type="dt" idx="1"/>
+          </p:nvPr>
+        </p:nvSpPr>
+        <p:spPr>
+          <a:xfrm>
+            <a:off x="3884613" y="0"/>
+            <a:ext cx="2971800" cy="457200"/>
+          </a:xfrm>
+          <a:prstGeom prst="rect">
+            <a:avLst/>
+          </a:prstGeom>
+        </p:spPr>
+        <p:txBody>
+          <a:bodyPr vert="horz" lIns="91440" tIns="45720" rIns="91440" bIns="45720" rtlCol="0"/>
+          <a:lstStyle>
+            <a:lvl1pPr algn="r">
+              <a:defRPr sz="1200"/>
+            </a:lvl1pPr>
+          </a:lstStyle>
+          <a:p>
+            <a:fld id="{6FB461FE-4EC7-41B4-9893-3A6FB92A7423}" type="datetimeFigureOut">
+              <a:rPr lang="de-DE" smtClean="0"/>
+              <a:t>05.03.2018</a:t>
+            </a:fld>
+            <a:endParaRPr lang="de-DE"/>
+          </a:p>
+        </p:txBody>
+      </p:sp>
+      <p:sp>
+        <p:nvSpPr>
+          <p:cNvPr id="4" name="Folienbildplatzhalter 3"/>
+          <p:cNvSpPr>
+            <a:spLocks noGrp="1" noRot="1" noChangeAspect="1"/>
+          </p:cNvSpPr>
+          <p:nvPr>
+            <p:ph type="sldImg" idx="2"/>
+          </p:nvPr>
+        </p:nvSpPr>
+        <p:spPr>
+          <a:xfrm>
+            <a:off x="1143000" y="685800"/>
+            <a:ext cx="4572000" cy="3429000"/>
+          </a:xfrm>
+          <a:prstGeom prst="rect">
+            <a:avLst/>
+          </a:prstGeom>
+          <a:noFill/>
+          <a:ln w="12700">
+            <a:solidFill>
+              <a:prstClr val="black"/>
+            </a:solidFill>
+          </a:ln>
+        </p:spPr>
+        <p:txBody>
+          <a:bodyPr vert="horz" lIns="91440" tIns="45720" rIns="91440" bIns="45720" rtlCol="0" anchor="ctr"/>
+          <a:lstStyle/>
+          <a:p>
+            <a:endParaRPr lang="de-DE"/>
+          </a:p>
+        </p:txBody>
+      </p:sp>
+      <p:sp>
+        <p:nvSpPr>
+          <p:cNvPr id="5" name="Notizenplatzhalter 4"/>
+          <p:cNvSpPr>
+            <a:spLocks noGrp="1"/>
+          </p:cNvSpPr>
+          <p:nvPr>
+            <p:ph type="body" sz="quarter" idx="3"/>
+          </p:nvPr>
+        </p:nvSpPr>
+        <p:spPr>
+          <a:xfrm>
+            <a:off x="685800" y="4343400"/>
+            <a:ext cx="5486400" cy="4114800"/>
+          </a:xfrm>
+          <a:prstGeom prst="rect">
+            <a:avLst/>
+          </a:prstGeom>
+        </p:spPr>
+        <p:txBody>
+          <a:bodyPr vert="horz" lIns="91440" tIns="45720" rIns="91440" bIns="45720" rtlCol="0"/>
+          <a:lstStyle/>
+          <a:p>
+            <a:pPr lvl="0"/>
+            <a:r>
+              <a:rPr lang="de-DE" smtClean="0"/>
+              <a:t>Textmasterformat bearbeiten</a:t>
+            </a:r>
+          </a:p>
+          <a:p>
+            <a:pPr lvl="1"/>
+            <a:r>
+              <a:rPr lang="de-DE" smtClean="0"/>
+              <a:t>Zweite Ebene</a:t>
+            </a:r>
+          </a:p>
+          <a:p>
+            <a:pPr lvl="2"/>
+            <a:r>
+              <a:rPr lang="de-DE" smtClean="0"/>
+              <a:t>Dritte Ebene</a:t>
+            </a:r>
+          </a:p>
+          <a:p>
+            <a:pPr lvl="3"/>
+            <a:r>
+              <a:rPr lang="de-DE" smtClean="0"/>
+              <a:t>Vierte Ebene</a:t>
+            </a:r>
+          </a:p>
+          <a:p>
+            <a:pPr lvl="4"/>
+            <a:r>
+              <a:rPr lang="de-DE" smtClean="0"/>
+              <a:t>Fünfte Ebene</a:t>
+            </a:r>
+            <a:endParaRPr lang="de-DE"/>
+          </a:p>
+        </p:txBody>
+      </p:sp>
+      <p:sp>
+        <p:nvSpPr>
+          <p:cNvPr id="6" name="Fußzeilenplatzhalter 5"/>
+          <p:cNvSpPr>
+            <a:spLocks noGrp="1"/>
+          </p:cNvSpPr>
+          <p:nvPr>
+            <p:ph type="ftr" sz="quarter" idx="4"/>
+          </p:nvPr>
+        </p:nvSpPr>
+        <p:spPr>
+          <a:xfrm>
+            <a:off x="0" y="8685213"/>
+            <a:ext cx="2971800" cy="457200"/>
+          </a:xfrm>
+          <a:prstGeom prst="rect">
+            <a:avLst/>
+          </a:prstGeom>
+        </p:spPr>
+        <p:txBody>
+          <a:bodyPr vert="horz" lIns="91440" tIns="45720" rIns="91440" bIns="45720" rtlCol="0" anchor="b"/>
+          <a:lstStyle>
+            <a:lvl1pPr algn="l">
+              <a:defRPr sz="1200"/>
+            </a:lvl1pPr>
+          </a:lstStyle>
+          <a:p>
+            <a:endParaRPr lang="de-DE"/>
+          </a:p>
+        </p:txBody>
+      </p:sp>
+      <p:sp>
+        <p:nvSpPr>
+          <p:cNvPr id="7" name="Foliennummernplatzhalter 6"/>
+          <p:cNvSpPr>
+            <a:spLocks noGrp="1"/>
+          </p:cNvSpPr>
+          <p:nvPr>
+            <p:ph type="sldNum" sz="quarter" idx="5"/>
+          </p:nvPr>
+        </p:nvSpPr>
+        <p:spPr>
+          <a:xfrm>
+            <a:off x="3884613" y="8685213"/>
+            <a:ext cx="2971800" cy="457200"/>
+          </a:xfrm>
+          <a:prstGeom prst="rect">
+            <a:avLst/>
+          </a:prstGeom>
+        </p:spPr>
+        <p:txBody>
+          <a:bodyPr vert="horz" lIns="91440" tIns="45720" rIns="91440" bIns="45720" rtlCol="0" anchor="b"/>
+          <a:lstStyle>
+            <a:lvl1pPr algn="r">
+              <a:defRPr sz="1200"/>
+            </a:lvl1pPr>
+          </a:lstStyle>
+          <a:p>
+            <a:fld id="{2CE0CBE3-2A95-4564-A8BE-E2B38EFE6424}" type="slidenum">
+              <a:rPr lang="de-DE" smtClean="0"/>
+              <a:t>‹Nr.›</a:t>
+            </a:fld>
+            <a:endParaRPr lang="de-DE"/>
+          </a:p>
+        </p:txBody>
+      </p:sp>
+    </p:spTree>
+    <p:extLst>
+      <p:ext uri="{BB962C8B-B14F-4D97-AF65-F5344CB8AC3E}">
+        <p14:creationId xmlns:p14="http://schemas.microsoft.com/office/powerpoint/2010/main" val="3763033445"/>
+      </p:ext>
+    </p:extLst>
+  </p:cSld>
+  <p:clrMap bg1="lt1" tx1="dk1" bg2="lt2" tx2="dk2" accent1="accent1" accent2="accent2" accent3="accent3" accent4="accent4" accent5="accent5" accent6="accent6" hlink="hlink" folHlink="folHlink"/>
+  <p:notesStyle>
+    <a:lvl1pPr marL="0" algn="l" defTabSz="914400" rtl="0" eaLnBrk="1" latinLnBrk="0" hangingPunct="1">
+      <a:defRPr sz="1200" kern="1200">
+        <a:solidFill>
+          <a:schemeClr val="tx1"/>
+        </a:solidFill>
+        <a:latin typeface="+mn-lt"/>
+        <a:ea typeface="+mn-ea"/>
+        <a:cs typeface="+mn-cs"/>
+      </a:defRPr>
+    </a:lvl1pPr>
+    <a:lvl2pPr marL="457200" algn="l" defTabSz="914400" rtl="0" eaLnBrk="1" latinLnBrk="0" hangingPunct="1">
+      <a:defRPr sz="1200" kern="1200">
+        <a:solidFill>
+          <a:schemeClr val="tx1"/>
+        </a:solidFill>
+        <a:latin typeface="+mn-lt"/>
+        <a:ea typeface="+mn-ea"/>
+        <a:cs typeface="+mn-cs"/>
+      </a:defRPr>
+    </a:lvl2pPr>
+    <a:lvl3pPr marL="914400" algn="l" defTabSz="914400" rtl="0" eaLnBrk="1" latinLnBrk="0" hangingPunct="1">
+      <a:defRPr sz="1200" kern="1200">
+        <a:solidFill>
+          <a:schemeClr val="tx1"/>
+        </a:solidFill>
+        <a:latin typeface="+mn-lt"/>
+        <a:ea typeface="+mn-ea"/>
+        <a:cs typeface="+mn-cs"/>
+      </a:defRPr>
+    </a:lvl3pPr>
+    <a:lvl4pPr marL="1371600" algn="l" defTabSz="914400" rtl="0" eaLnBrk="1" latinLnBrk="0" hangingPunct="1">
+      <a:defRPr sz="1200" kern="1200">
+        <a:solidFill>
+          <a:schemeClr val="tx1"/>
+        </a:solidFill>
+        <a:latin typeface="+mn-lt"/>
+        <a:ea typeface="+mn-ea"/>
+        <a:cs typeface="+mn-cs"/>
+      </a:defRPr>
+    </a:lvl4pPr>
+    <a:lvl5pPr marL="1828800" algn="l" defTabSz="914400" rtl="0" eaLnBrk="1" latinLnBrk="0" hangingPunct="1">
+      <a:defRPr sz="1200" kern="1200">
+        <a:solidFill>
+          <a:schemeClr val="tx1"/>
+        </a:solidFill>
+        <a:latin typeface="+mn-lt"/>
+        <a:ea typeface="+mn-ea"/>
+        <a:cs typeface="+mn-cs"/>
+      </a:defRPr>
+    </a:lvl5pPr>
+    <a:lvl6pPr marL="2286000" algn="l" defTabSz="914400" rtl="0" eaLnBrk="1" latinLnBrk="0" hangingPunct="1">
+      <a:defRPr sz="1200" kern="1200">
+        <a:solidFill>
+          <a:schemeClr val="tx1"/>
+        </a:solidFill>
+        <a:latin typeface="+mn-lt"/>
+        <a:ea typeface="+mn-ea"/>
+        <a:cs typeface="+mn-cs"/>
+      </a:defRPr>
+    </a:lvl6pPr>
+    <a:lvl7pPr marL="2743200" algn="l" defTabSz="914400" rtl="0" eaLnBrk="1" latinLnBrk="0" hangingPunct="1">
+      <a:defRPr sz="1200" kern="1200">
+        <a:solidFill>
+          <a:schemeClr val="tx1"/>
+        </a:solidFill>
+        <a:latin typeface="+mn-lt"/>
+        <a:ea typeface="+mn-ea"/>
+        <a:cs typeface="+mn-cs"/>
+      </a:defRPr>
+    </a:lvl7pPr>
+    <a:lvl8pPr marL="3200400" algn="l" defTabSz="914400" rtl="0" eaLnBrk="1" latinLnBrk="0" hangingPunct="1">
+      <a:defRPr sz="1200" kern="1200">
+        <a:solidFill>
+          <a:schemeClr val="tx1"/>
+        </a:solidFill>
+        <a:latin typeface="+mn-lt"/>
+        <a:ea typeface="+mn-ea"/>
+        <a:cs typeface="+mn-cs"/>
+      </a:defRPr>
+    </a:lvl8pPr>
+    <a:lvl9pPr marL="3657600" algn="l" defTabSz="914400" rtl="0" eaLnBrk="1" latinLnBrk="0" hangingPunct="1">
+      <a:defRPr sz="1200" kern="1200">
+        <a:solidFill>
+          <a:schemeClr val="tx1"/>
+        </a:solidFill>
+        <a:latin typeface="+mn-lt"/>
+        <a:ea typeface="+mn-ea"/>
+        <a:cs typeface="+mn-cs"/>
+      </a:defRPr>
+    </a:lvl9pPr>
+  </p:notesStyle>
+</p:notesMaster>
+</file>
+
+<file path=ppt/notesSlides/notesSlide1.xml><?xml version="1.0" encoding="utf-8"?>
+<p:notes xmlns:a="http://schemas.openxmlformats.org/drawingml/2006/main" xmlns:r="http://schemas.openxmlformats.org/officeDocument/2006/relationships" xmlns:p="http://schemas.openxmlformats.org/presentationml/2006/main">
+  <p:cSld>
+    <p:spTree>
+      <p:nvGrpSpPr>
+        <p:cNvPr id="1" name=""/>
+        <p:cNvGrpSpPr/>
+        <p:nvPr/>
+      </p:nvGrpSpPr>
+      <p:grpSpPr>
+        <a:xfrm>
+          <a:off x="0" y="0"/>
+          <a:ext cx="0" cy="0"/>
+          <a:chOff x="0" y="0"/>
+          <a:chExt cx="0" cy="0"/>
+        </a:xfrm>
+      </p:grpSpPr>
+      <p:sp>
+        <p:nvSpPr>
+          <p:cNvPr id="2" name="Folienbildplatzhalter 1"/>
+          <p:cNvSpPr>
+            <a:spLocks noGrp="1" noRot="1" noChangeAspect="1"/>
+          </p:cNvSpPr>
+          <p:nvPr>
+            <p:ph type="sldImg"/>
+          </p:nvPr>
+        </p:nvSpPr>
+        <p:spPr/>
+      </p:sp>
+      <p:sp>
+        <p:nvSpPr>
+          <p:cNvPr id="3" name="Notizenplatzhalter 2"/>
+          <p:cNvSpPr>
+            <a:spLocks noGrp="1"/>
+          </p:cNvSpPr>
+          <p:nvPr>
+            <p:ph type="body" idx="1"/>
+          </p:nvPr>
+        </p:nvSpPr>
+        <p:spPr/>
+        <p:txBody>
+          <a:bodyPr/>
+          <a:lstStyle/>
+          <a:p>
+            <a:r>
+              <a:rPr lang="de-DE" dirty="0" smtClean="0"/>
+              <a:t>-</a:t>
+            </a:r>
+            <a:r>
+              <a:rPr lang="de-DE" baseline="0" dirty="0" smtClean="0"/>
+              <a:t> Anwendungsfall / </a:t>
+            </a:r>
+            <a:r>
+              <a:rPr lang="de-DE" baseline="0" dirty="0" err="1" smtClean="0"/>
+              <a:t>Use</a:t>
+            </a:r>
+            <a:r>
+              <a:rPr lang="de-DE" baseline="0" dirty="0" smtClean="0"/>
+              <a:t>-Case: Rollen Mitspieler und Quizmaster</a:t>
+            </a:r>
+            <a:endParaRPr lang="de-DE" dirty="0"/>
+          </a:p>
+        </p:txBody>
+      </p:sp>
+      <p:sp>
+        <p:nvSpPr>
+          <p:cNvPr id="4" name="Foliennummernplatzhalter 3"/>
+          <p:cNvSpPr>
+            <a:spLocks noGrp="1"/>
+          </p:cNvSpPr>
+          <p:nvPr>
+            <p:ph type="sldNum" sz="quarter" idx="10"/>
+          </p:nvPr>
+        </p:nvSpPr>
+        <p:spPr/>
+        <p:txBody>
+          <a:bodyPr/>
+          <a:lstStyle/>
+          <a:p>
+            <a:fld id="{2CE0CBE3-2A95-4564-A8BE-E2B38EFE6424}" type="slidenum">
+              <a:rPr lang="de-DE" smtClean="0"/>
+              <a:t>4</a:t>
+            </a:fld>
+            <a:endParaRPr lang="de-DE"/>
+          </a:p>
+        </p:txBody>
+      </p:sp>
+    </p:spTree>
+    <p:extLst>
+      <p:ext uri="{BB962C8B-B14F-4D97-AF65-F5344CB8AC3E}">
+        <p14:creationId xmlns:p14="http://schemas.microsoft.com/office/powerpoint/2010/main" val="644101686"/>
+      </p:ext>
+    </p:extLst>
+  </p:cSld>
+  <p:clrMapOvr>
+    <a:masterClrMapping/>
+  </p:clrMapOvr>
+</p:notes>
+</file>
+
+<file path=ppt/notesSlides/notesSlide2.xml><?xml version="1.0" encoding="utf-8"?>
+<p:notes xmlns:a="http://schemas.openxmlformats.org/drawingml/2006/main" xmlns:r="http://schemas.openxmlformats.org/officeDocument/2006/relationships" xmlns:p="http://schemas.openxmlformats.org/presentationml/2006/main">
+  <p:cSld>
+    <p:spTree>
+      <p:nvGrpSpPr>
+        <p:cNvPr id="1" name=""/>
+        <p:cNvGrpSpPr/>
+        <p:nvPr/>
+      </p:nvGrpSpPr>
+      <p:grpSpPr>
+        <a:xfrm>
+          <a:off x="0" y="0"/>
+          <a:ext cx="0" cy="0"/>
+          <a:chOff x="0" y="0"/>
+          <a:chExt cx="0" cy="0"/>
+        </a:xfrm>
+      </p:grpSpPr>
+      <p:sp>
+        <p:nvSpPr>
+          <p:cNvPr id="2" name="Folienbildplatzhalter 1"/>
+          <p:cNvSpPr>
+            <a:spLocks noGrp="1" noRot="1" noChangeAspect="1"/>
+          </p:cNvSpPr>
+          <p:nvPr>
+            <p:ph type="sldImg"/>
+          </p:nvPr>
+        </p:nvSpPr>
+        <p:spPr/>
+      </p:sp>
+      <p:sp>
+        <p:nvSpPr>
+          <p:cNvPr id="3" name="Notizenplatzhalter 2"/>
+          <p:cNvSpPr>
+            <a:spLocks noGrp="1"/>
+          </p:cNvSpPr>
+          <p:nvPr>
+            <p:ph type="body" idx="1"/>
+          </p:nvPr>
+        </p:nvSpPr>
+        <p:spPr/>
+        <p:txBody>
+          <a:bodyPr/>
+          <a:lstStyle/>
+          <a:p>
+            <a:pPr marL="171450" indent="-171450">
+              <a:buFontTx/>
+              <a:buChar char="-"/>
+            </a:pPr>
+            <a:r>
+              <a:rPr lang="de-DE" dirty="0" smtClean="0"/>
+              <a:t>Keiner Vorwissen</a:t>
+            </a:r>
+          </a:p>
+          <a:p>
+            <a:pPr marL="171450" indent="-171450">
+              <a:buFontTx/>
+              <a:buChar char="-"/>
+            </a:pPr>
+            <a:r>
+              <a:rPr lang="de-DE" dirty="0" smtClean="0"/>
+              <a:t>Bietet</a:t>
+            </a:r>
+            <a:r>
+              <a:rPr lang="de-DE" baseline="0" dirty="0" smtClean="0"/>
+              <a:t> genug Möglichkeiten für die Umsetzung</a:t>
+            </a:r>
+            <a:endParaRPr lang="de-DE" dirty="0"/>
+          </a:p>
+        </p:txBody>
+      </p:sp>
+      <p:sp>
+        <p:nvSpPr>
+          <p:cNvPr id="4" name="Foliennummernplatzhalter 3"/>
+          <p:cNvSpPr>
+            <a:spLocks noGrp="1"/>
+          </p:cNvSpPr>
+          <p:nvPr>
+            <p:ph type="sldNum" sz="quarter" idx="10"/>
+          </p:nvPr>
+        </p:nvSpPr>
+        <p:spPr/>
+        <p:txBody>
+          <a:bodyPr/>
+          <a:lstStyle/>
+          <a:p>
+            <a:fld id="{2CE0CBE3-2A95-4564-A8BE-E2B38EFE6424}" type="slidenum">
+              <a:rPr lang="de-DE" smtClean="0"/>
+              <a:t>5</a:t>
+            </a:fld>
+            <a:endParaRPr lang="de-DE"/>
+          </a:p>
+        </p:txBody>
+      </p:sp>
+    </p:spTree>
+    <p:extLst>
+      <p:ext uri="{BB962C8B-B14F-4D97-AF65-F5344CB8AC3E}">
+        <p14:creationId xmlns:p14="http://schemas.microsoft.com/office/powerpoint/2010/main" val="3623300583"/>
+      </p:ext>
+    </p:extLst>
+  </p:cSld>
+  <p:clrMapOvr>
+    <a:masterClrMapping/>
+  </p:clrMapOvr>
+</p:notes>
+</file>
+
+<file path=ppt/notesSlides/notesSlide3.xml><?xml version="1.0" encoding="utf-8"?>
+<p:notes xmlns:a="http://schemas.openxmlformats.org/drawingml/2006/main" xmlns:r="http://schemas.openxmlformats.org/officeDocument/2006/relationships" xmlns:p="http://schemas.openxmlformats.org/presentationml/2006/main">
+  <p:cSld>
+    <p:spTree>
+      <p:nvGrpSpPr>
+        <p:cNvPr id="1" name=""/>
+        <p:cNvGrpSpPr/>
+        <p:nvPr/>
+      </p:nvGrpSpPr>
+      <p:grpSpPr>
+        <a:xfrm>
+          <a:off x="0" y="0"/>
+          <a:ext cx="0" cy="0"/>
+          <a:chOff x="0" y="0"/>
+          <a:chExt cx="0" cy="0"/>
+        </a:xfrm>
+      </p:grpSpPr>
+      <p:sp>
+        <p:nvSpPr>
+          <p:cNvPr id="2" name="Folienbildplatzhalter 1"/>
+          <p:cNvSpPr>
+            <a:spLocks noGrp="1" noRot="1" noChangeAspect="1"/>
+          </p:cNvSpPr>
+          <p:nvPr>
+            <p:ph type="sldImg"/>
+          </p:nvPr>
+        </p:nvSpPr>
+        <p:spPr/>
+      </p:sp>
+      <p:sp>
+        <p:nvSpPr>
+          <p:cNvPr id="3" name="Notizenplatzhalter 2"/>
+          <p:cNvSpPr>
+            <a:spLocks noGrp="1"/>
+          </p:cNvSpPr>
+          <p:nvPr>
+            <p:ph type="body" idx="1"/>
+          </p:nvPr>
+        </p:nvSpPr>
+        <p:spPr/>
+        <p:txBody>
+          <a:bodyPr/>
+          <a:lstStyle/>
+          <a:p>
+            <a:r>
+              <a:rPr lang="de-DE" dirty="0" smtClean="0"/>
+              <a:t>Hübscheres Design, spätere Anpassung der farblichen Gestaltung</a:t>
+            </a:r>
+            <a:endParaRPr lang="de-DE" dirty="0"/>
+          </a:p>
+        </p:txBody>
+      </p:sp>
+      <p:sp>
+        <p:nvSpPr>
+          <p:cNvPr id="4" name="Foliennummernplatzhalter 3"/>
+          <p:cNvSpPr>
+            <a:spLocks noGrp="1"/>
+          </p:cNvSpPr>
+          <p:nvPr>
+            <p:ph type="sldNum" sz="quarter" idx="10"/>
+          </p:nvPr>
+        </p:nvSpPr>
+        <p:spPr/>
+        <p:txBody>
+          <a:bodyPr/>
+          <a:lstStyle/>
+          <a:p>
+            <a:fld id="{2CE0CBE3-2A95-4564-A8BE-E2B38EFE6424}" type="slidenum">
+              <a:rPr lang="de-DE" smtClean="0"/>
+              <a:t>11</a:t>
+            </a:fld>
+            <a:endParaRPr lang="de-DE"/>
+          </a:p>
+        </p:txBody>
+      </p:sp>
+    </p:spTree>
+    <p:extLst>
+      <p:ext uri="{BB962C8B-B14F-4D97-AF65-F5344CB8AC3E}">
+        <p14:creationId xmlns:p14="http://schemas.microsoft.com/office/powerpoint/2010/main" val="201494631"/>
+      </p:ext>
+    </p:extLst>
+  </p:cSld>
+  <p:clrMapOvr>
+    <a:masterClrMapping/>
+  </p:clrMapOvr>
+</p:notes>
+</file>
+
+<file path=ppt/notesSlides/notesSlide4.xml><?xml version="1.0" encoding="utf-8"?>
+<p:notes xmlns:a="http://schemas.openxmlformats.org/drawingml/2006/main" xmlns:r="http://schemas.openxmlformats.org/officeDocument/2006/relationships" xmlns:p="http://schemas.openxmlformats.org/presentationml/2006/main">
+  <p:cSld>
+    <p:spTree>
+      <p:nvGrpSpPr>
+        <p:cNvPr id="1" name=""/>
+        <p:cNvGrpSpPr/>
+        <p:nvPr/>
+      </p:nvGrpSpPr>
+      <p:grpSpPr>
+        <a:xfrm>
+          <a:off x="0" y="0"/>
+          <a:ext cx="0" cy="0"/>
+          <a:chOff x="0" y="0"/>
+          <a:chExt cx="0" cy="0"/>
+        </a:xfrm>
+      </p:grpSpPr>
+      <p:sp>
+        <p:nvSpPr>
+          <p:cNvPr id="2" name="Folienbildplatzhalter 1"/>
+          <p:cNvSpPr>
+            <a:spLocks noGrp="1" noRot="1" noChangeAspect="1"/>
+          </p:cNvSpPr>
+          <p:nvPr>
+            <p:ph type="sldImg"/>
+          </p:nvPr>
+        </p:nvSpPr>
+        <p:spPr/>
+      </p:sp>
+      <p:sp>
+        <p:nvSpPr>
+          <p:cNvPr id="3" name="Notizenplatzhalter 2"/>
+          <p:cNvSpPr>
+            <a:spLocks noGrp="1"/>
+          </p:cNvSpPr>
+          <p:nvPr>
+            <p:ph type="body" idx="1"/>
+          </p:nvPr>
+        </p:nvSpPr>
+        <p:spPr/>
+        <p:txBody>
+          <a:bodyPr/>
+          <a:lstStyle/>
+          <a:p>
+            <a:r>
+              <a:rPr lang="de-DE" dirty="0" err="1" smtClean="0"/>
+              <a:t>Loginseite</a:t>
+            </a:r>
+            <a:r>
+              <a:rPr lang="de-DE" dirty="0" smtClean="0"/>
+              <a:t>:</a:t>
+            </a:r>
+            <a:r>
+              <a:rPr lang="de-DE" baseline="0" dirty="0" smtClean="0"/>
+              <a:t> Wechsel der Login-Versionen</a:t>
+            </a:r>
+            <a:endParaRPr lang="de-DE" dirty="0"/>
+          </a:p>
+        </p:txBody>
+      </p:sp>
+      <p:sp>
+        <p:nvSpPr>
+          <p:cNvPr id="4" name="Foliennummernplatzhalter 3"/>
+          <p:cNvSpPr>
+            <a:spLocks noGrp="1"/>
+          </p:cNvSpPr>
+          <p:nvPr>
+            <p:ph type="sldNum" sz="quarter" idx="10"/>
+          </p:nvPr>
+        </p:nvSpPr>
+        <p:spPr/>
+        <p:txBody>
+          <a:bodyPr/>
+          <a:lstStyle/>
+          <a:p>
+            <a:fld id="{2CE0CBE3-2A95-4564-A8BE-E2B38EFE6424}" type="slidenum">
+              <a:rPr lang="de-DE" smtClean="0"/>
+              <a:t>12</a:t>
+            </a:fld>
+            <a:endParaRPr lang="de-DE"/>
+          </a:p>
+        </p:txBody>
+      </p:sp>
+    </p:spTree>
+    <p:extLst>
+      <p:ext uri="{BB962C8B-B14F-4D97-AF65-F5344CB8AC3E}">
+        <p14:creationId xmlns:p14="http://schemas.microsoft.com/office/powerpoint/2010/main" val="3327477096"/>
+      </p:ext>
+    </p:extLst>
+  </p:cSld>
+  <p:clrMapOvr>
+    <a:masterClrMapping/>
+  </p:clrMapOvr>
+</p:notes>
+</file>
+
+<file path=ppt/notesSlides/notesSlide5.xml><?xml version="1.0" encoding="utf-8"?>
+<p:notes xmlns:a="http://schemas.openxmlformats.org/drawingml/2006/main" xmlns:r="http://schemas.openxmlformats.org/officeDocument/2006/relationships" xmlns:p="http://schemas.openxmlformats.org/presentationml/2006/main">
+  <p:cSld>
+    <p:spTree>
+      <p:nvGrpSpPr>
+        <p:cNvPr id="1" name=""/>
+        <p:cNvGrpSpPr/>
+        <p:nvPr/>
+      </p:nvGrpSpPr>
+      <p:grpSpPr>
+        <a:xfrm>
+          <a:off x="0" y="0"/>
+          <a:ext cx="0" cy="0"/>
+          <a:chOff x="0" y="0"/>
+          <a:chExt cx="0" cy="0"/>
+        </a:xfrm>
+      </p:grpSpPr>
+      <p:sp>
+        <p:nvSpPr>
+          <p:cNvPr id="2" name="Folienbildplatzhalter 1"/>
+          <p:cNvSpPr>
+            <a:spLocks noGrp="1" noRot="1" noChangeAspect="1"/>
+          </p:cNvSpPr>
+          <p:nvPr>
+            <p:ph type="sldImg"/>
+          </p:nvPr>
+        </p:nvSpPr>
+        <p:spPr/>
+      </p:sp>
+      <p:sp>
+        <p:nvSpPr>
+          <p:cNvPr id="3" name="Notizenplatzhalter 2"/>
+          <p:cNvSpPr>
+            <a:spLocks noGrp="1"/>
+          </p:cNvSpPr>
+          <p:nvPr>
+            <p:ph type="body" idx="1"/>
+          </p:nvPr>
+        </p:nvSpPr>
+        <p:spPr/>
+        <p:txBody>
+          <a:bodyPr/>
+          <a:lstStyle/>
+          <a:p>
+            <a:pPr marL="171450" indent="-171450">
+              <a:buFontTx/>
+              <a:buChar char="-"/>
+            </a:pPr>
+            <a:r>
+              <a:rPr lang="de-DE" dirty="0" smtClean="0"/>
+              <a:t>Klare übersichtliche</a:t>
+            </a:r>
+            <a:r>
+              <a:rPr lang="de-DE" baseline="0" dirty="0" smtClean="0"/>
+              <a:t> Struktur</a:t>
+            </a:r>
+          </a:p>
+          <a:p>
+            <a:pPr marL="171450" indent="-171450">
+              <a:buFontTx/>
+              <a:buChar char="-"/>
+            </a:pPr>
+            <a:r>
+              <a:rPr lang="de-DE" baseline="0" dirty="0" smtClean="0"/>
+              <a:t>Größerer Aufwand, keine Funktionalität zw. Oberfläche und DB</a:t>
+            </a:r>
+          </a:p>
+          <a:p>
+            <a:pPr marL="171450" indent="-171450">
+              <a:buFontTx/>
+              <a:buChar char="-"/>
+            </a:pPr>
+            <a:r>
+              <a:rPr lang="de-DE" baseline="0" dirty="0" smtClean="0"/>
+              <a:t>Kleine Gruppe, kein Vorwissen</a:t>
+            </a:r>
+          </a:p>
+          <a:p>
+            <a:pPr marL="171450" indent="-171450">
+              <a:buFontTx/>
+              <a:buChar char="-"/>
+            </a:pPr>
+            <a:r>
+              <a:rPr lang="de-DE" baseline="0" dirty="0" smtClean="0"/>
+              <a:t>Ausfälle durch Krankheit -&gt; kein Spielraum</a:t>
+            </a:r>
+            <a:endParaRPr lang="de-DE" dirty="0"/>
+          </a:p>
+        </p:txBody>
+      </p:sp>
+      <p:sp>
+        <p:nvSpPr>
+          <p:cNvPr id="4" name="Foliennummernplatzhalter 3"/>
+          <p:cNvSpPr>
+            <a:spLocks noGrp="1"/>
+          </p:cNvSpPr>
+          <p:nvPr>
+            <p:ph type="sldNum" sz="quarter" idx="10"/>
+          </p:nvPr>
+        </p:nvSpPr>
+        <p:spPr/>
+        <p:txBody>
+          <a:bodyPr/>
+          <a:lstStyle/>
+          <a:p>
+            <a:fld id="{2CE0CBE3-2A95-4564-A8BE-E2B38EFE6424}" type="slidenum">
+              <a:rPr lang="de-DE" smtClean="0"/>
+              <a:t>13</a:t>
+            </a:fld>
+            <a:endParaRPr lang="de-DE"/>
+          </a:p>
+        </p:txBody>
+      </p:sp>
+    </p:spTree>
+    <p:extLst>
+      <p:ext uri="{BB962C8B-B14F-4D97-AF65-F5344CB8AC3E}">
+        <p14:creationId xmlns:p14="http://schemas.microsoft.com/office/powerpoint/2010/main" val="647154774"/>
+      </p:ext>
+    </p:extLst>
+  </p:cSld>
+  <p:clrMapOvr>
+    <a:masterClrMapping/>
+  </p:clrMapOvr>
+</p:notes>
+</file>
+
 <file path=ppt/slideLayouts/slideLayout1.xml><?xml version="1.0" encoding="utf-8"?>
 <p:sldLayout xmlns:a="http://schemas.openxmlformats.org/drawingml/2006/main" xmlns:r="http://schemas.openxmlformats.org/officeDocument/2006/relationships" xmlns:p="http://schemas.openxmlformats.org/presentationml/2006/main" showMasterSp="0" type="title" preserve="1">
   <p:cSld name="Titelfolie">
@@ -494,7 +1372,7 @@
           <a:p>
             <a:fld id="{DF25074F-A6D6-49FF-8C95-5739E129D9E5}" type="datetimeFigureOut">
               <a:rPr lang="de-DE" smtClean="0"/>
-              <a:t>02.03.2018</a:t>
+              <a:t>05.03.2018</a:t>
             </a:fld>
             <a:endParaRPr lang="de-DE"/>
           </a:p>
@@ -659,7 +1537,7 @@
           <a:p>
             <a:fld id="{DF25074F-A6D6-49FF-8C95-5739E129D9E5}" type="datetimeFigureOut">
               <a:rPr lang="de-DE" smtClean="0"/>
-              <a:t>02.03.2018</a:t>
+              <a:t>05.03.2018</a:t>
             </a:fld>
             <a:endParaRPr lang="de-DE"/>
           </a:p>
@@ -834,7 +1712,7 @@
           <a:p>
             <a:fld id="{DF25074F-A6D6-49FF-8C95-5739E129D9E5}" type="datetimeFigureOut">
               <a:rPr lang="de-DE" smtClean="0"/>
-              <a:t>02.03.2018</a:t>
+              <a:t>05.03.2018</a:t>
             </a:fld>
             <a:endParaRPr lang="de-DE"/>
           </a:p>
@@ -1003,7 +1881,7 @@
           <a:p>
             <a:fld id="{DF25074F-A6D6-49FF-8C95-5739E129D9E5}" type="datetimeFigureOut">
               <a:rPr lang="de-DE" smtClean="0"/>
-              <a:t>02.03.2018</a:t>
+              <a:t>05.03.2018</a:t>
             </a:fld>
             <a:endParaRPr lang="de-DE"/>
           </a:p>
@@ -1458,7 +2336,7 @@
           <a:p>
             <a:fld id="{DF25074F-A6D6-49FF-8C95-5739E129D9E5}" type="datetimeFigureOut">
               <a:rPr lang="de-DE" smtClean="0"/>
-              <a:t>02.03.2018</a:t>
+              <a:t>05.03.2018</a:t>
             </a:fld>
             <a:endParaRPr lang="de-DE"/>
           </a:p>
@@ -1722,7 +2600,7 @@
           <a:p>
             <a:fld id="{DF25074F-A6D6-49FF-8C95-5739E129D9E5}" type="datetimeFigureOut">
               <a:rPr lang="de-DE" smtClean="0"/>
-              <a:t>02.03.2018</a:t>
+              <a:t>05.03.2018</a:t>
             </a:fld>
             <a:endParaRPr lang="de-DE"/>
           </a:p>
@@ -2096,7 +2974,7 @@
           <a:p>
             <a:fld id="{DF25074F-A6D6-49FF-8C95-5739E129D9E5}" type="datetimeFigureOut">
               <a:rPr lang="de-DE" smtClean="0"/>
-              <a:t>02.03.2018</a:t>
+              <a:t>05.03.2018</a:t>
             </a:fld>
             <a:endParaRPr lang="de-DE"/>
           </a:p>
@@ -2218,7 +3096,7 @@
           <a:p>
             <a:fld id="{DF25074F-A6D6-49FF-8C95-5739E129D9E5}" type="datetimeFigureOut">
               <a:rPr lang="de-DE" smtClean="0"/>
-              <a:t>02.03.2018</a:t>
+              <a:t>05.03.2018</a:t>
             </a:fld>
             <a:endParaRPr lang="de-DE"/>
           </a:p>
@@ -2308,7 +3186,7 @@
           <a:p>
             <a:fld id="{DF25074F-A6D6-49FF-8C95-5739E129D9E5}" type="datetimeFigureOut">
               <a:rPr lang="de-DE" smtClean="0"/>
-              <a:t>02.03.2018</a:t>
+              <a:t>05.03.2018</a:t>
             </a:fld>
             <a:endParaRPr lang="de-DE"/>
           </a:p>
@@ -2557,7 +3435,7 @@
           <a:p>
             <a:fld id="{DF25074F-A6D6-49FF-8C95-5739E129D9E5}" type="datetimeFigureOut">
               <a:rPr lang="de-DE" smtClean="0"/>
-              <a:t>02.03.2018</a:t>
+              <a:t>05.03.2018</a:t>
             </a:fld>
             <a:endParaRPr lang="de-DE"/>
           </a:p>
@@ -2816,7 +3694,7 @@
           <a:p>
             <a:fld id="{DF25074F-A6D6-49FF-8C95-5739E129D9E5}" type="datetimeFigureOut">
               <a:rPr lang="de-DE" smtClean="0"/>
-              <a:t>02.03.2018</a:t>
+              <a:t>05.03.2018</a:t>
             </a:fld>
             <a:endParaRPr lang="de-DE"/>
           </a:p>
@@ -3220,7 +4098,7 @@
           <a:p>
             <a:fld id="{DF25074F-A6D6-49FF-8C95-5739E129D9E5}" type="datetimeFigureOut">
               <a:rPr lang="de-DE" smtClean="0"/>
-              <a:t>02.03.2018</a:t>
+              <a:t>05.03.2018</a:t>
             </a:fld>
             <a:endParaRPr lang="de-DE"/>
           </a:p>
@@ -3708,18 +4586,429 @@
   <p:clrMapOvr>
     <a:masterClrMapping/>
   </p:clrMapOvr>
-  <mc:AlternateContent xmlns:mc="http://schemas.openxmlformats.org/markup-compatibility/2006">
-    <mc:Choice xmlns:p14="http://schemas.microsoft.com/office/powerpoint/2010/main" Requires="p14">
+  <mc:AlternateContent xmlns:mc="http://schemas.openxmlformats.org/markup-compatibility/2006" xmlns:p14="http://schemas.microsoft.com/office/powerpoint/2010/main">
+    <mc:Choice Requires="p14">
       <p:transition spd="med" p14:dur="700">
         <p:fade/>
       </p:transition>
     </mc:Choice>
-    <mc:Fallback>
+    <mc:Fallback xmlns="">
       <p:transition spd="med">
         <p:fade/>
       </p:transition>
     </mc:Fallback>
   </mc:AlternateContent>
+  <p:timing>
+    <p:tnLst>
+      <p:par>
+        <p:cTn id="1" dur="indefinite" restart="never" nodeType="tmRoot"/>
+      </p:par>
+    </p:tnLst>
+  </p:timing>
+</p:sld>
+</file>
+
+<file path=ppt/slides/slide10.xml><?xml version="1.0" encoding="utf-8"?>
+<p:sld xmlns:a="http://schemas.openxmlformats.org/drawingml/2006/main" xmlns:r="http://schemas.openxmlformats.org/officeDocument/2006/relationships" xmlns:p="http://schemas.openxmlformats.org/presentationml/2006/main">
+  <p:cSld>
+    <p:spTree>
+      <p:nvGrpSpPr>
+        <p:cNvPr id="1" name=""/>
+        <p:cNvGrpSpPr/>
+        <p:nvPr/>
+      </p:nvGrpSpPr>
+      <p:grpSpPr>
+        <a:xfrm>
+          <a:off x="0" y="0"/>
+          <a:ext cx="0" cy="0"/>
+          <a:chOff x="0" y="0"/>
+          <a:chExt cx="0" cy="0"/>
+        </a:xfrm>
+      </p:grpSpPr>
+      <p:sp>
+        <p:nvSpPr>
+          <p:cNvPr id="2" name="Titel 1"/>
+          <p:cNvSpPr>
+            <a:spLocks noGrp="1"/>
+          </p:cNvSpPr>
+          <p:nvPr>
+            <p:ph type="title"/>
+          </p:nvPr>
+        </p:nvSpPr>
+        <p:spPr/>
+        <p:txBody>
+          <a:bodyPr/>
+          <a:lstStyle/>
+          <a:p>
+            <a:r>
+              <a:rPr lang="de-DE" dirty="0" smtClean="0"/>
+              <a:t>Datenbank</a:t>
+            </a:r>
+            <a:endParaRPr lang="de-DE" dirty="0"/>
+          </a:p>
+        </p:txBody>
+      </p:sp>
+      <p:sp>
+        <p:nvSpPr>
+          <p:cNvPr id="3" name="Inhaltsplatzhalter 2"/>
+          <p:cNvSpPr>
+            <a:spLocks noGrp="1"/>
+          </p:cNvSpPr>
+          <p:nvPr>
+            <p:ph idx="1"/>
+          </p:nvPr>
+        </p:nvSpPr>
+        <p:spPr/>
+        <p:txBody>
+          <a:bodyPr/>
+          <a:lstStyle/>
+          <a:p>
+            <a:r>
+              <a:rPr lang="de-DE" dirty="0" smtClean="0"/>
+              <a:t>Antworten</a:t>
+            </a:r>
+          </a:p>
+          <a:p>
+            <a:endParaRPr lang="de-DE" dirty="0"/>
+          </a:p>
+        </p:txBody>
+      </p:sp>
+      <p:pic>
+        <p:nvPicPr>
+          <p:cNvPr id="4" name="Grafik 3"/>
+          <p:cNvPicPr>
+            <a:picLocks noChangeAspect="1"/>
+          </p:cNvPicPr>
+          <p:nvPr/>
+        </p:nvPicPr>
+        <p:blipFill>
+          <a:blip r:embed="rId2">
+            <a:extLst>
+              <a:ext uri="{28A0092B-C50C-407E-A947-70E740481C1C}">
+                <a14:useLocalDpi xmlns:a14="http://schemas.microsoft.com/office/drawing/2010/main" val="0"/>
+              </a:ext>
+            </a:extLst>
+          </a:blip>
+          <a:stretch>
+            <a:fillRect/>
+          </a:stretch>
+        </p:blipFill>
+        <p:spPr>
+          <a:xfrm>
+            <a:off x="1009545" y="2528878"/>
+            <a:ext cx="7124910" cy="1800245"/>
+          </a:xfrm>
+          <a:prstGeom prst="rect">
+            <a:avLst/>
+          </a:prstGeom>
+        </p:spPr>
+      </p:pic>
+    </p:spTree>
+    <p:extLst>
+      <p:ext uri="{BB962C8B-B14F-4D97-AF65-F5344CB8AC3E}">
+        <p14:creationId xmlns:p14="http://schemas.microsoft.com/office/powerpoint/2010/main" val="1027300688"/>
+      </p:ext>
+    </p:extLst>
+  </p:cSld>
+  <p:clrMapOvr>
+    <a:masterClrMapping/>
+  </p:clrMapOvr>
+  <p:timing>
+    <p:tnLst>
+      <p:par>
+        <p:cTn id="1" dur="indefinite" restart="never" nodeType="tmRoot"/>
+      </p:par>
+    </p:tnLst>
+  </p:timing>
+</p:sld>
+</file>
+
+<file path=ppt/slides/slide11.xml><?xml version="1.0" encoding="utf-8"?>
+<p:sld xmlns:a="http://schemas.openxmlformats.org/drawingml/2006/main" xmlns:r="http://schemas.openxmlformats.org/officeDocument/2006/relationships" xmlns:p="http://schemas.openxmlformats.org/presentationml/2006/main">
+  <p:cSld>
+    <p:spTree>
+      <p:nvGrpSpPr>
+        <p:cNvPr id="1" name=""/>
+        <p:cNvGrpSpPr/>
+        <p:nvPr/>
+      </p:nvGrpSpPr>
+      <p:grpSpPr>
+        <a:xfrm>
+          <a:off x="0" y="0"/>
+          <a:ext cx="0" cy="0"/>
+          <a:chOff x="0" y="0"/>
+          <a:chExt cx="0" cy="0"/>
+        </a:xfrm>
+      </p:grpSpPr>
+      <p:sp>
+        <p:nvSpPr>
+          <p:cNvPr id="2" name="Titel 1"/>
+          <p:cNvSpPr>
+            <a:spLocks noGrp="1"/>
+          </p:cNvSpPr>
+          <p:nvPr>
+            <p:ph type="title"/>
+          </p:nvPr>
+        </p:nvSpPr>
+        <p:spPr/>
+        <p:txBody>
+          <a:bodyPr/>
+          <a:lstStyle/>
+          <a:p>
+            <a:r>
+              <a:rPr lang="de-DE" dirty="0" smtClean="0"/>
+              <a:t>Design</a:t>
+            </a:r>
+            <a:endParaRPr lang="de-DE" dirty="0"/>
+          </a:p>
+        </p:txBody>
+      </p:sp>
+      <p:sp>
+        <p:nvSpPr>
+          <p:cNvPr id="3" name="Inhaltsplatzhalter 2"/>
+          <p:cNvSpPr>
+            <a:spLocks noGrp="1"/>
+          </p:cNvSpPr>
+          <p:nvPr>
+            <p:ph idx="1"/>
+          </p:nvPr>
+        </p:nvSpPr>
+        <p:spPr/>
+        <p:txBody>
+          <a:bodyPr/>
+          <a:lstStyle/>
+          <a:p>
+            <a:r>
+              <a:rPr lang="de-DE" dirty="0" smtClean="0"/>
+              <a:t>Einbindung von Bootstrap</a:t>
+            </a:r>
+          </a:p>
+          <a:p>
+            <a:endParaRPr lang="de-DE" dirty="0"/>
+          </a:p>
+        </p:txBody>
+      </p:sp>
+      <p:pic>
+        <p:nvPicPr>
+          <p:cNvPr id="4" name="Grafik 3"/>
+          <p:cNvPicPr>
+            <a:picLocks noChangeAspect="1"/>
+          </p:cNvPicPr>
+          <p:nvPr/>
+        </p:nvPicPr>
+        <p:blipFill>
+          <a:blip r:embed="rId3">
+            <a:extLst>
+              <a:ext uri="{28A0092B-C50C-407E-A947-70E740481C1C}">
+                <a14:useLocalDpi xmlns:a14="http://schemas.microsoft.com/office/drawing/2010/main" val="0"/>
+              </a:ext>
+            </a:extLst>
+          </a:blip>
+          <a:stretch>
+            <a:fillRect/>
+          </a:stretch>
+        </p:blipFill>
+        <p:spPr>
+          <a:xfrm>
+            <a:off x="581025" y="2498576"/>
+            <a:ext cx="7981950" cy="2514600"/>
+          </a:xfrm>
+          <a:prstGeom prst="rect">
+            <a:avLst/>
+          </a:prstGeom>
+        </p:spPr>
+      </p:pic>
+    </p:spTree>
+    <p:extLst>
+      <p:ext uri="{BB962C8B-B14F-4D97-AF65-F5344CB8AC3E}">
+        <p14:creationId xmlns:p14="http://schemas.microsoft.com/office/powerpoint/2010/main" val="2713680332"/>
+      </p:ext>
+    </p:extLst>
+  </p:cSld>
+  <p:clrMapOvr>
+    <a:masterClrMapping/>
+  </p:clrMapOvr>
+  <p:timing>
+    <p:tnLst>
+      <p:par>
+        <p:cTn id="1" dur="indefinite" restart="never" nodeType="tmRoot"/>
+      </p:par>
+    </p:tnLst>
+  </p:timing>
+</p:sld>
+</file>
+
+<file path=ppt/slides/slide12.xml><?xml version="1.0" encoding="utf-8"?>
+<p:sld xmlns:a="http://schemas.openxmlformats.org/drawingml/2006/main" xmlns:r="http://schemas.openxmlformats.org/officeDocument/2006/relationships" xmlns:p="http://schemas.openxmlformats.org/presentationml/2006/main">
+  <p:cSld>
+    <p:spTree>
+      <p:nvGrpSpPr>
+        <p:cNvPr id="1" name=""/>
+        <p:cNvGrpSpPr/>
+        <p:nvPr/>
+      </p:nvGrpSpPr>
+      <p:grpSpPr>
+        <a:xfrm>
+          <a:off x="0" y="0"/>
+          <a:ext cx="0" cy="0"/>
+          <a:chOff x="0" y="0"/>
+          <a:chExt cx="0" cy="0"/>
+        </a:xfrm>
+      </p:grpSpPr>
+      <p:sp>
+        <p:nvSpPr>
+          <p:cNvPr id="2" name="Titel 1"/>
+          <p:cNvSpPr>
+            <a:spLocks noGrp="1"/>
+          </p:cNvSpPr>
+          <p:nvPr>
+            <p:ph type="title"/>
+          </p:nvPr>
+        </p:nvSpPr>
+        <p:spPr/>
+        <p:txBody>
+          <a:bodyPr/>
+          <a:lstStyle/>
+          <a:p>
+            <a:r>
+              <a:rPr lang="de-DE" dirty="0" smtClean="0"/>
+              <a:t>Design</a:t>
+            </a:r>
+            <a:endParaRPr lang="de-DE" dirty="0"/>
+          </a:p>
+        </p:txBody>
+      </p:sp>
+      <p:sp>
+        <p:nvSpPr>
+          <p:cNvPr id="3" name="Inhaltsplatzhalter 2"/>
+          <p:cNvSpPr>
+            <a:spLocks noGrp="1"/>
+          </p:cNvSpPr>
+          <p:nvPr>
+            <p:ph idx="1"/>
+          </p:nvPr>
+        </p:nvSpPr>
+        <p:spPr/>
+        <p:txBody>
+          <a:bodyPr/>
+          <a:lstStyle/>
+          <a:p>
+            <a:r>
+              <a:rPr lang="de-DE" dirty="0" smtClean="0"/>
+              <a:t>JavaScript</a:t>
+            </a:r>
+          </a:p>
+          <a:p>
+            <a:endParaRPr lang="de-DE" dirty="0"/>
+          </a:p>
+        </p:txBody>
+      </p:sp>
+      <p:pic>
+        <p:nvPicPr>
+          <p:cNvPr id="4" name="Grafik 3"/>
+          <p:cNvPicPr>
+            <a:picLocks noChangeAspect="1"/>
+          </p:cNvPicPr>
+          <p:nvPr/>
+        </p:nvPicPr>
+        <p:blipFill>
+          <a:blip r:embed="rId3">
+            <a:extLst>
+              <a:ext uri="{28A0092B-C50C-407E-A947-70E740481C1C}">
+                <a14:useLocalDpi xmlns:a14="http://schemas.microsoft.com/office/drawing/2010/main" val="0"/>
+              </a:ext>
+            </a:extLst>
+          </a:blip>
+          <a:stretch>
+            <a:fillRect/>
+          </a:stretch>
+        </p:blipFill>
+        <p:spPr>
+          <a:xfrm>
+            <a:off x="971600" y="2269818"/>
+            <a:ext cx="4851083" cy="3572828"/>
+          </a:xfrm>
+          <a:prstGeom prst="rect">
+            <a:avLst/>
+          </a:prstGeom>
+        </p:spPr>
+      </p:pic>
+    </p:spTree>
+    <p:extLst>
+      <p:ext uri="{BB962C8B-B14F-4D97-AF65-F5344CB8AC3E}">
+        <p14:creationId xmlns:p14="http://schemas.microsoft.com/office/powerpoint/2010/main" val="2424546699"/>
+      </p:ext>
+    </p:extLst>
+  </p:cSld>
+  <p:clrMapOvr>
+    <a:masterClrMapping/>
+  </p:clrMapOvr>
+  <p:timing>
+    <p:tnLst>
+      <p:par>
+        <p:cTn id="1" dur="indefinite" restart="never" nodeType="tmRoot"/>
+      </p:par>
+    </p:tnLst>
+  </p:timing>
+</p:sld>
+</file>
+
+<file path=ppt/slides/slide13.xml><?xml version="1.0" encoding="utf-8"?>
+<p:sld xmlns:a="http://schemas.openxmlformats.org/drawingml/2006/main" xmlns:r="http://schemas.openxmlformats.org/officeDocument/2006/relationships" xmlns:p="http://schemas.openxmlformats.org/presentationml/2006/main">
+  <p:cSld>
+    <p:spTree>
+      <p:nvGrpSpPr>
+        <p:cNvPr id="1" name=""/>
+        <p:cNvGrpSpPr/>
+        <p:nvPr/>
+      </p:nvGrpSpPr>
+      <p:grpSpPr>
+        <a:xfrm>
+          <a:off x="0" y="0"/>
+          <a:ext cx="0" cy="0"/>
+          <a:chOff x="0" y="0"/>
+          <a:chExt cx="0" cy="0"/>
+        </a:xfrm>
+      </p:grpSpPr>
+      <p:sp>
+        <p:nvSpPr>
+          <p:cNvPr id="2" name="Titel 1"/>
+          <p:cNvSpPr>
+            <a:spLocks noGrp="1"/>
+          </p:cNvSpPr>
+          <p:nvPr>
+            <p:ph type="title"/>
+          </p:nvPr>
+        </p:nvSpPr>
+        <p:spPr>
+          <a:xfrm>
+            <a:off x="457200" y="2564904"/>
+            <a:ext cx="7467600" cy="1143000"/>
+          </a:xfrm>
+        </p:spPr>
+        <p:txBody>
+          <a:bodyPr/>
+          <a:lstStyle/>
+          <a:p>
+            <a:pPr algn="ctr"/>
+            <a:r>
+              <a:rPr lang="de-DE" dirty="0" smtClean="0"/>
+              <a:t>Fazit</a:t>
+            </a:r>
+            <a:endParaRPr lang="de-DE" dirty="0"/>
+          </a:p>
+        </p:txBody>
+      </p:sp>
+    </p:spTree>
+    <p:extLst>
+      <p:ext uri="{BB962C8B-B14F-4D97-AF65-F5344CB8AC3E}">
+        <p14:creationId xmlns:p14="http://schemas.microsoft.com/office/powerpoint/2010/main" val="1947088379"/>
+      </p:ext>
+    </p:extLst>
+  </p:cSld>
+  <p:clrMapOvr>
+    <a:masterClrMapping/>
+  </p:clrMapOvr>
   <p:timing>
     <p:tnLst>
       <p:par>
@@ -3837,13 +5126,13 @@
   <p:clrMapOvr>
     <a:masterClrMapping/>
   </p:clrMapOvr>
-  <mc:AlternateContent xmlns:mc="http://schemas.openxmlformats.org/markup-compatibility/2006">
-    <mc:Choice xmlns:p14="http://schemas.microsoft.com/office/powerpoint/2010/main" Requires="p14">
+  <mc:AlternateContent xmlns:mc="http://schemas.openxmlformats.org/markup-compatibility/2006" xmlns:p14="http://schemas.microsoft.com/office/powerpoint/2010/main">
+    <mc:Choice Requires="p14">
       <p:transition spd="med" p14:dur="700">
         <p:fade/>
       </p:transition>
     </mc:Choice>
-    <mc:Fallback>
+    <mc:Fallback xmlns="">
       <p:transition spd="med">
         <p:fade/>
       </p:transition>
@@ -4146,13 +5435,13 @@
   <p:clrMapOvr>
     <a:masterClrMapping/>
   </p:clrMapOvr>
-  <mc:AlternateContent xmlns:mc="http://schemas.openxmlformats.org/markup-compatibility/2006">
-    <mc:Choice xmlns:p14="http://schemas.microsoft.com/office/powerpoint/2010/main" Requires="p14">
+  <mc:AlternateContent xmlns:mc="http://schemas.openxmlformats.org/markup-compatibility/2006" xmlns:p14="http://schemas.microsoft.com/office/powerpoint/2010/main">
+    <mc:Choice Requires="p14">
       <p:transition spd="med" p14:dur="700">
         <p:fade/>
       </p:transition>
     </mc:Choice>
-    <mc:Fallback>
+    <mc:Fallback xmlns="">
       <p:transition spd="med">
         <p:fade/>
       </p:transition>
@@ -4540,9 +5829,25 @@
           <a:bodyPr/>
           <a:lstStyle/>
           <a:p>
+            <a:pPr marL="420624" lvl="1" indent="-384048">
+              <a:buSzPct val="80000"/>
+              <a:buFont typeface="Wingdings 2"/>
+              <a:buChar char=""/>
+            </a:pPr>
+            <a:r>
+              <a:rPr lang="de-DE" sz="3000" dirty="0" smtClean="0"/>
+              <a:t>Anwendungsfalldiagramm</a:t>
+            </a:r>
+            <a:endParaRPr lang="de-DE" sz="3000" dirty="0" smtClean="0"/>
+          </a:p>
+          <a:p>
             <a:r>
               <a:rPr lang="de-DE" dirty="0" smtClean="0"/>
-              <a:t>Anwendungsfall - Durchführung eines Quiz</a:t>
+              <a:t>Anwendungsfall </a:t>
+            </a:r>
+            <a:r>
+              <a:rPr lang="de-DE" dirty="0" smtClean="0"/>
+              <a:t>- Durchführung eines Quiz</a:t>
             </a:r>
           </a:p>
           <a:p>
@@ -4555,7 +5860,7 @@
           <a:p>
             <a:pPr lvl="1"/>
             <a:r>
-              <a:rPr lang="de-DE" smtClean="0"/>
+              <a:rPr lang="de-DE" dirty="0" smtClean="0"/>
               <a:t>Zustandsdiagramm</a:t>
             </a:r>
             <a:endParaRPr lang="de-DE" dirty="0"/>
@@ -4566,6 +5871,547 @@
     <p:extLst>
       <p:ext uri="{BB962C8B-B14F-4D97-AF65-F5344CB8AC3E}">
         <p14:creationId xmlns:p14="http://schemas.microsoft.com/office/powerpoint/2010/main" val="3592922412"/>
+      </p:ext>
+    </p:extLst>
+  </p:cSld>
+  <p:clrMapOvr>
+    <a:masterClrMapping/>
+  </p:clrMapOvr>
+  <p:timing>
+    <p:tnLst>
+      <p:par>
+        <p:cTn id="1" dur="indefinite" restart="never" nodeType="tmRoot"/>
+      </p:par>
+    </p:tnLst>
+  </p:timing>
+</p:sld>
+</file>
+
+<file path=ppt/slides/slide5.xml><?xml version="1.0" encoding="utf-8"?>
+<p:sld xmlns:a="http://schemas.openxmlformats.org/drawingml/2006/main" xmlns:r="http://schemas.openxmlformats.org/officeDocument/2006/relationships" xmlns:p="http://schemas.openxmlformats.org/presentationml/2006/main">
+  <p:cSld>
+    <p:spTree>
+      <p:nvGrpSpPr>
+        <p:cNvPr id="1" name=""/>
+        <p:cNvGrpSpPr/>
+        <p:nvPr/>
+      </p:nvGrpSpPr>
+      <p:grpSpPr>
+        <a:xfrm>
+          <a:off x="0" y="0"/>
+          <a:ext cx="0" cy="0"/>
+          <a:chOff x="0" y="0"/>
+          <a:chExt cx="0" cy="0"/>
+        </a:xfrm>
+      </p:grpSpPr>
+      <p:sp>
+        <p:nvSpPr>
+          <p:cNvPr id="2" name="Titel 1"/>
+          <p:cNvSpPr>
+            <a:spLocks noGrp="1"/>
+          </p:cNvSpPr>
+          <p:nvPr>
+            <p:ph type="title"/>
+          </p:nvPr>
+        </p:nvSpPr>
+        <p:spPr/>
+        <p:txBody>
+          <a:bodyPr/>
+          <a:lstStyle/>
+          <a:p>
+            <a:r>
+              <a:rPr lang="de-DE" dirty="0" smtClean="0"/>
+              <a:t>Durchführung</a:t>
+            </a:r>
+            <a:endParaRPr lang="de-DE" dirty="0"/>
+          </a:p>
+        </p:txBody>
+      </p:sp>
+      <p:sp>
+        <p:nvSpPr>
+          <p:cNvPr id="3" name="Inhaltsplatzhalter 2"/>
+          <p:cNvSpPr>
+            <a:spLocks noGrp="1"/>
+          </p:cNvSpPr>
+          <p:nvPr>
+            <p:ph idx="1"/>
+          </p:nvPr>
+        </p:nvSpPr>
+        <p:spPr/>
+        <p:txBody>
+          <a:bodyPr/>
+          <a:lstStyle/>
+          <a:p>
+            <a:r>
+              <a:rPr lang="de-DE" dirty="0" smtClean="0"/>
+              <a:t>HTML mit CSS</a:t>
+            </a:r>
+          </a:p>
+          <a:p>
+            <a:r>
+              <a:rPr lang="de-DE" dirty="0" smtClean="0"/>
+              <a:t>PHP</a:t>
+            </a:r>
+          </a:p>
+          <a:p>
+            <a:r>
+              <a:rPr lang="de-DE" dirty="0" smtClean="0"/>
+              <a:t>JavaScript</a:t>
+            </a:r>
+            <a:endParaRPr lang="de-DE" dirty="0"/>
+          </a:p>
+        </p:txBody>
+      </p:sp>
+    </p:spTree>
+    <p:extLst>
+      <p:ext uri="{BB962C8B-B14F-4D97-AF65-F5344CB8AC3E}">
+        <p14:creationId xmlns:p14="http://schemas.microsoft.com/office/powerpoint/2010/main" val="2448482"/>
+      </p:ext>
+    </p:extLst>
+  </p:cSld>
+  <p:clrMapOvr>
+    <a:masterClrMapping/>
+  </p:clrMapOvr>
+  <p:timing>
+    <p:tnLst>
+      <p:par>
+        <p:cTn id="1" dur="indefinite" restart="never" nodeType="tmRoot"/>
+      </p:par>
+    </p:tnLst>
+  </p:timing>
+</p:sld>
+</file>
+
+<file path=ppt/slides/slide6.xml><?xml version="1.0" encoding="utf-8"?>
+<p:sld xmlns:a="http://schemas.openxmlformats.org/drawingml/2006/main" xmlns:r="http://schemas.openxmlformats.org/officeDocument/2006/relationships" xmlns:p="http://schemas.openxmlformats.org/presentationml/2006/main">
+  <p:cSld>
+    <p:spTree>
+      <p:nvGrpSpPr>
+        <p:cNvPr id="1" name=""/>
+        <p:cNvGrpSpPr/>
+        <p:nvPr/>
+      </p:nvGrpSpPr>
+      <p:grpSpPr>
+        <a:xfrm>
+          <a:off x="0" y="0"/>
+          <a:ext cx="0" cy="0"/>
+          <a:chOff x="0" y="0"/>
+          <a:chExt cx="0" cy="0"/>
+        </a:xfrm>
+      </p:grpSpPr>
+      <p:sp>
+        <p:nvSpPr>
+          <p:cNvPr id="2" name="Titel 1"/>
+          <p:cNvSpPr>
+            <a:spLocks noGrp="1"/>
+          </p:cNvSpPr>
+          <p:nvPr>
+            <p:ph type="title"/>
+          </p:nvPr>
+        </p:nvSpPr>
+        <p:spPr/>
+        <p:txBody>
+          <a:bodyPr/>
+          <a:lstStyle/>
+          <a:p>
+            <a:r>
+              <a:rPr lang="de-DE" dirty="0" smtClean="0"/>
+              <a:t>Datenbank</a:t>
+            </a:r>
+            <a:endParaRPr lang="de-DE" dirty="0"/>
+          </a:p>
+        </p:txBody>
+      </p:sp>
+      <p:sp>
+        <p:nvSpPr>
+          <p:cNvPr id="3" name="Inhaltsplatzhalter 2"/>
+          <p:cNvSpPr>
+            <a:spLocks noGrp="1"/>
+          </p:cNvSpPr>
+          <p:nvPr>
+            <p:ph idx="1"/>
+          </p:nvPr>
+        </p:nvSpPr>
+        <p:spPr/>
+        <p:txBody>
+          <a:bodyPr/>
+          <a:lstStyle/>
+          <a:p>
+            <a:r>
+              <a:rPr lang="de-DE" dirty="0" smtClean="0"/>
+              <a:t>Accounts</a:t>
+            </a:r>
+          </a:p>
+          <a:p>
+            <a:r>
+              <a:rPr lang="de-DE" dirty="0" smtClean="0"/>
+              <a:t>Fragenkataloge</a:t>
+            </a:r>
+          </a:p>
+          <a:p>
+            <a:r>
+              <a:rPr lang="de-DE" dirty="0" smtClean="0"/>
+              <a:t>Fragen</a:t>
+            </a:r>
+          </a:p>
+          <a:p>
+            <a:r>
+              <a:rPr lang="de-DE" dirty="0" smtClean="0"/>
+              <a:t>Antworten</a:t>
+            </a:r>
+            <a:endParaRPr lang="de-DE" dirty="0"/>
+          </a:p>
+        </p:txBody>
+      </p:sp>
+    </p:spTree>
+    <p:extLst>
+      <p:ext uri="{BB962C8B-B14F-4D97-AF65-F5344CB8AC3E}">
+        <p14:creationId xmlns:p14="http://schemas.microsoft.com/office/powerpoint/2010/main" val="2798297838"/>
+      </p:ext>
+    </p:extLst>
+  </p:cSld>
+  <p:clrMapOvr>
+    <a:masterClrMapping/>
+  </p:clrMapOvr>
+  <p:timing>
+    <p:tnLst>
+      <p:par>
+        <p:cTn id="1" dur="indefinite" restart="never" nodeType="tmRoot"/>
+      </p:par>
+    </p:tnLst>
+  </p:timing>
+</p:sld>
+</file>
+
+<file path=ppt/slides/slide7.xml><?xml version="1.0" encoding="utf-8"?>
+<p:sld xmlns:a="http://schemas.openxmlformats.org/drawingml/2006/main" xmlns:r="http://schemas.openxmlformats.org/officeDocument/2006/relationships" xmlns:p="http://schemas.openxmlformats.org/presentationml/2006/main">
+  <p:cSld>
+    <p:spTree>
+      <p:nvGrpSpPr>
+        <p:cNvPr id="1" name=""/>
+        <p:cNvGrpSpPr/>
+        <p:nvPr/>
+      </p:nvGrpSpPr>
+      <p:grpSpPr>
+        <a:xfrm>
+          <a:off x="0" y="0"/>
+          <a:ext cx="0" cy="0"/>
+          <a:chOff x="0" y="0"/>
+          <a:chExt cx="0" cy="0"/>
+        </a:xfrm>
+      </p:grpSpPr>
+      <p:sp>
+        <p:nvSpPr>
+          <p:cNvPr id="2" name="Titel 1"/>
+          <p:cNvSpPr>
+            <a:spLocks noGrp="1"/>
+          </p:cNvSpPr>
+          <p:nvPr>
+            <p:ph type="title"/>
+          </p:nvPr>
+        </p:nvSpPr>
+        <p:spPr/>
+        <p:txBody>
+          <a:bodyPr/>
+          <a:lstStyle/>
+          <a:p>
+            <a:r>
+              <a:rPr lang="de-DE" dirty="0" smtClean="0"/>
+              <a:t>Datenbank</a:t>
+            </a:r>
+            <a:endParaRPr lang="de-DE" dirty="0"/>
+          </a:p>
+        </p:txBody>
+      </p:sp>
+      <p:sp>
+        <p:nvSpPr>
+          <p:cNvPr id="3" name="Inhaltsplatzhalter 2"/>
+          <p:cNvSpPr>
+            <a:spLocks noGrp="1"/>
+          </p:cNvSpPr>
+          <p:nvPr>
+            <p:ph idx="1"/>
+          </p:nvPr>
+        </p:nvSpPr>
+        <p:spPr/>
+        <p:txBody>
+          <a:bodyPr/>
+          <a:lstStyle/>
+          <a:p>
+            <a:r>
+              <a:rPr lang="de-DE" dirty="0" smtClean="0"/>
+              <a:t>Accounts</a:t>
+            </a:r>
+          </a:p>
+          <a:p>
+            <a:endParaRPr lang="de-DE" dirty="0" smtClean="0"/>
+          </a:p>
+        </p:txBody>
+      </p:sp>
+      <p:pic>
+        <p:nvPicPr>
+          <p:cNvPr id="4" name="Grafik 3"/>
+          <p:cNvPicPr>
+            <a:picLocks noChangeAspect="1"/>
+          </p:cNvPicPr>
+          <p:nvPr/>
+        </p:nvPicPr>
+        <p:blipFill>
+          <a:blip r:embed="rId2">
+            <a:extLst>
+              <a:ext uri="{28A0092B-C50C-407E-A947-70E740481C1C}">
+                <a14:useLocalDpi xmlns:a14="http://schemas.microsoft.com/office/drawing/2010/main" val="0"/>
+              </a:ext>
+            </a:extLst>
+          </a:blip>
+          <a:stretch>
+            <a:fillRect/>
+          </a:stretch>
+        </p:blipFill>
+        <p:spPr>
+          <a:xfrm>
+            <a:off x="918750" y="2348880"/>
+            <a:ext cx="7306495" cy="2682986"/>
+          </a:xfrm>
+          <a:prstGeom prst="rect">
+            <a:avLst/>
+          </a:prstGeom>
+        </p:spPr>
+      </p:pic>
+    </p:spTree>
+    <p:extLst>
+      <p:ext uri="{BB962C8B-B14F-4D97-AF65-F5344CB8AC3E}">
+        <p14:creationId xmlns:p14="http://schemas.microsoft.com/office/powerpoint/2010/main" val="915663759"/>
+      </p:ext>
+    </p:extLst>
+  </p:cSld>
+  <p:clrMapOvr>
+    <a:masterClrMapping/>
+  </p:clrMapOvr>
+  <p:timing>
+    <p:tnLst>
+      <p:par>
+        <p:cTn id="1" dur="indefinite" restart="never" nodeType="tmRoot"/>
+      </p:par>
+    </p:tnLst>
+  </p:timing>
+</p:sld>
+</file>
+
+<file path=ppt/slides/slide8.xml><?xml version="1.0" encoding="utf-8"?>
+<p:sld xmlns:a="http://schemas.openxmlformats.org/drawingml/2006/main" xmlns:r="http://schemas.openxmlformats.org/officeDocument/2006/relationships" xmlns:p="http://schemas.openxmlformats.org/presentationml/2006/main">
+  <p:cSld>
+    <p:spTree>
+      <p:nvGrpSpPr>
+        <p:cNvPr id="1" name=""/>
+        <p:cNvGrpSpPr/>
+        <p:nvPr/>
+      </p:nvGrpSpPr>
+      <p:grpSpPr>
+        <a:xfrm>
+          <a:off x="0" y="0"/>
+          <a:ext cx="0" cy="0"/>
+          <a:chOff x="0" y="0"/>
+          <a:chExt cx="0" cy="0"/>
+        </a:xfrm>
+      </p:grpSpPr>
+      <p:sp>
+        <p:nvSpPr>
+          <p:cNvPr id="2" name="Titel 1"/>
+          <p:cNvSpPr>
+            <a:spLocks noGrp="1"/>
+          </p:cNvSpPr>
+          <p:nvPr>
+            <p:ph type="title"/>
+          </p:nvPr>
+        </p:nvSpPr>
+        <p:spPr/>
+        <p:txBody>
+          <a:bodyPr/>
+          <a:lstStyle/>
+          <a:p>
+            <a:r>
+              <a:rPr lang="de-DE" dirty="0" smtClean="0"/>
+              <a:t>Datenbank</a:t>
+            </a:r>
+            <a:endParaRPr lang="de-DE" dirty="0"/>
+          </a:p>
+        </p:txBody>
+      </p:sp>
+      <p:sp>
+        <p:nvSpPr>
+          <p:cNvPr id="3" name="Inhaltsplatzhalter 2"/>
+          <p:cNvSpPr>
+            <a:spLocks noGrp="1"/>
+          </p:cNvSpPr>
+          <p:nvPr>
+            <p:ph idx="1"/>
+          </p:nvPr>
+        </p:nvSpPr>
+        <p:spPr/>
+        <p:txBody>
+          <a:bodyPr/>
+          <a:lstStyle/>
+          <a:p>
+            <a:r>
+              <a:rPr lang="de-DE" dirty="0" smtClean="0"/>
+              <a:t>Fragenkataloge</a:t>
+            </a:r>
+          </a:p>
+          <a:p>
+            <a:endParaRPr lang="de-DE" dirty="0" smtClean="0"/>
+          </a:p>
+        </p:txBody>
+      </p:sp>
+      <p:pic>
+        <p:nvPicPr>
+          <p:cNvPr id="4" name="Grafik 3"/>
+          <p:cNvPicPr>
+            <a:picLocks noChangeAspect="1"/>
+          </p:cNvPicPr>
+          <p:nvPr/>
+        </p:nvPicPr>
+        <p:blipFill>
+          <a:blip r:embed="rId2">
+            <a:extLst>
+              <a:ext uri="{28A0092B-C50C-407E-A947-70E740481C1C}">
+                <a14:useLocalDpi xmlns:a14="http://schemas.microsoft.com/office/drawing/2010/main" val="0"/>
+              </a:ext>
+            </a:extLst>
+          </a:blip>
+          <a:stretch>
+            <a:fillRect/>
+          </a:stretch>
+        </p:blipFill>
+        <p:spPr>
+          <a:xfrm>
+            <a:off x="947308" y="2426303"/>
+            <a:ext cx="7249383" cy="2005394"/>
+          </a:xfrm>
+          <a:prstGeom prst="rect">
+            <a:avLst/>
+          </a:prstGeom>
+        </p:spPr>
+      </p:pic>
+    </p:spTree>
+    <p:extLst>
+      <p:ext uri="{BB962C8B-B14F-4D97-AF65-F5344CB8AC3E}">
+        <p14:creationId xmlns:p14="http://schemas.microsoft.com/office/powerpoint/2010/main" val="2154842873"/>
+      </p:ext>
+    </p:extLst>
+  </p:cSld>
+  <p:clrMapOvr>
+    <a:masterClrMapping/>
+  </p:clrMapOvr>
+  <p:timing>
+    <p:tnLst>
+      <p:par>
+        <p:cTn id="1" dur="indefinite" restart="never" nodeType="tmRoot"/>
+      </p:par>
+    </p:tnLst>
+  </p:timing>
+</p:sld>
+</file>
+
+<file path=ppt/slides/slide9.xml><?xml version="1.0" encoding="utf-8"?>
+<p:sld xmlns:a="http://schemas.openxmlformats.org/drawingml/2006/main" xmlns:r="http://schemas.openxmlformats.org/officeDocument/2006/relationships" xmlns:p="http://schemas.openxmlformats.org/presentationml/2006/main">
+  <p:cSld>
+    <p:spTree>
+      <p:nvGrpSpPr>
+        <p:cNvPr id="1" name=""/>
+        <p:cNvGrpSpPr/>
+        <p:nvPr/>
+      </p:nvGrpSpPr>
+      <p:grpSpPr>
+        <a:xfrm>
+          <a:off x="0" y="0"/>
+          <a:ext cx="0" cy="0"/>
+          <a:chOff x="0" y="0"/>
+          <a:chExt cx="0" cy="0"/>
+        </a:xfrm>
+      </p:grpSpPr>
+      <p:sp>
+        <p:nvSpPr>
+          <p:cNvPr id="2" name="Titel 1"/>
+          <p:cNvSpPr>
+            <a:spLocks noGrp="1"/>
+          </p:cNvSpPr>
+          <p:nvPr>
+            <p:ph type="title"/>
+          </p:nvPr>
+        </p:nvSpPr>
+        <p:spPr/>
+        <p:txBody>
+          <a:bodyPr/>
+          <a:lstStyle/>
+          <a:p>
+            <a:r>
+              <a:rPr lang="de-DE" dirty="0" smtClean="0"/>
+              <a:t>Datenbank</a:t>
+            </a:r>
+            <a:endParaRPr lang="de-DE" dirty="0"/>
+          </a:p>
+        </p:txBody>
+      </p:sp>
+      <p:sp>
+        <p:nvSpPr>
+          <p:cNvPr id="3" name="Inhaltsplatzhalter 2"/>
+          <p:cNvSpPr>
+            <a:spLocks noGrp="1"/>
+          </p:cNvSpPr>
+          <p:nvPr>
+            <p:ph idx="1"/>
+          </p:nvPr>
+        </p:nvSpPr>
+        <p:spPr/>
+        <p:txBody>
+          <a:bodyPr/>
+          <a:lstStyle/>
+          <a:p>
+            <a:r>
+              <a:rPr lang="de-DE" dirty="0" smtClean="0"/>
+              <a:t>Fragen</a:t>
+            </a:r>
+          </a:p>
+          <a:p>
+            <a:endParaRPr lang="de-DE" dirty="0" smtClean="0"/>
+          </a:p>
+        </p:txBody>
+      </p:sp>
+      <p:pic>
+        <p:nvPicPr>
+          <p:cNvPr id="4" name="Grafik 3"/>
+          <p:cNvPicPr>
+            <a:picLocks noChangeAspect="1"/>
+          </p:cNvPicPr>
+          <p:nvPr/>
+        </p:nvPicPr>
+        <p:blipFill>
+          <a:blip r:embed="rId2">
+            <a:extLst>
+              <a:ext uri="{28A0092B-C50C-407E-A947-70E740481C1C}">
+                <a14:useLocalDpi xmlns:a14="http://schemas.microsoft.com/office/drawing/2010/main" val="0"/>
+              </a:ext>
+            </a:extLst>
+          </a:blip>
+          <a:stretch>
+            <a:fillRect/>
+          </a:stretch>
+        </p:blipFill>
+        <p:spPr>
+          <a:xfrm>
+            <a:off x="1056799" y="2524267"/>
+            <a:ext cx="7030403" cy="1809465"/>
+          </a:xfrm>
+          <a:prstGeom prst="rect">
+            <a:avLst/>
+          </a:prstGeom>
+        </p:spPr>
+      </p:pic>
+    </p:spTree>
+    <p:extLst>
+      <p:ext uri="{BB962C8B-B14F-4D97-AF65-F5344CB8AC3E}">
+        <p14:creationId xmlns:p14="http://schemas.microsoft.com/office/powerpoint/2010/main" val="379028492"/>
       </p:ext>
     </p:extLst>
   </p:cSld>
@@ -4910,4 +6756,289 @@
   <a:objectDefaults/>
   <a:extraClrSchemeLst/>
 </a:theme>
+</file>
+
+<file path=ppt/theme/theme2.xml><?xml version="1.0" encoding="utf-8"?>
+<a:theme xmlns:a="http://schemas.openxmlformats.org/drawingml/2006/main" name="Larissa">
+  <a:themeElements>
+    <a:clrScheme name="Larissa">
+      <a:dk1>
+        <a:sysClr val="windowText" lastClr="000000"/>
+      </a:dk1>
+      <a:lt1>
+        <a:sysClr val="window" lastClr="FFFFFF"/>
+      </a:lt1>
+      <a:dk2>
+        <a:srgbClr val="1F497D"/>
+      </a:dk2>
+      <a:lt2>
+        <a:srgbClr val="EEECE1"/>
+      </a:lt2>
+      <a:accent1>
+        <a:srgbClr val="4F81BD"/>
+      </a:accent1>
+      <a:accent2>
+        <a:srgbClr val="C0504D"/>
+      </a:accent2>
+      <a:accent3>
+        <a:srgbClr val="9BBB59"/>
+      </a:accent3>
+      <a:accent4>
+        <a:srgbClr val="8064A2"/>
+      </a:accent4>
+      <a:accent5>
+        <a:srgbClr val="4BACC6"/>
+      </a:accent5>
+      <a:accent6>
+        <a:srgbClr val="F79646"/>
+      </a:accent6>
+      <a:hlink>
+        <a:srgbClr val="0000FF"/>
+      </a:hlink>
+      <a:folHlink>
+        <a:srgbClr val="800080"/>
+      </a:folHlink>
+    </a:clrScheme>
+    <a:fontScheme name="Larissa">
+      <a:majorFont>
+        <a:latin typeface="Calibri"/>
+        <a:ea typeface=""/>
+        <a:cs typeface=""/>
+        <a:font script="Jpan" typeface="ＭＳ Ｐゴシック"/>
+        <a:font script="Hang" typeface="맑은 고딕"/>
+        <a:font script="Hans" typeface="宋体"/>
+        <a:font script="Hant" typeface="新細明體"/>
+        <a:font script="Arab" typeface="Times New Roman"/>
+        <a:font script="Hebr" typeface="Times New Roman"/>
+        <a:font script="Thai" typeface="Angsana New"/>
+        <a:font script="Ethi" typeface="Nyala"/>
+        <a:font script="Beng" typeface="Vrinda"/>
+        <a:font script="Gujr" typeface="Shruti"/>
+        <a:font script="Khmr" typeface="MoolBoran"/>
+        <a:font script="Knda" typeface="Tunga"/>
+        <a:font script="Guru" typeface="Raavi"/>
+        <a:font script="Cans" typeface="Euphemia"/>
+        <a:font script="Cher" typeface="Plantagenet Cherokee"/>
+        <a:font script="Yiii" typeface="Microsoft Yi Baiti"/>
+        <a:font script="Tibt" typeface="Microsoft Himalaya"/>
+        <a:font script="Thaa" typeface="MV Boli"/>
+        <a:font script="Deva" typeface="Mangal"/>
+        <a:font script="Telu" typeface="Gautami"/>
+        <a:font script="Taml" typeface="Latha"/>
+        <a:font script="Syrc" typeface="Estrangelo Edessa"/>
+        <a:font script="Orya" typeface="Kalinga"/>
+        <a:font script="Mlym" typeface="Kartika"/>
+        <a:font script="Laoo" typeface="DokChampa"/>
+        <a:font script="Sinh" typeface="Iskoola Pota"/>
+        <a:font script="Mong" typeface="Mongolian Baiti"/>
+        <a:font script="Viet" typeface="Times New Roman"/>
+        <a:font script="Uigh" typeface="Microsoft Uighur"/>
+        <a:font script="Geor" typeface="Sylfaen"/>
+      </a:majorFont>
+      <a:minorFont>
+        <a:latin typeface="Calibri"/>
+        <a:ea typeface=""/>
+        <a:cs typeface=""/>
+        <a:font script="Jpan" typeface="ＭＳ Ｐゴシック"/>
+        <a:font script="Hang" typeface="맑은 고딕"/>
+        <a:font script="Hans" typeface="宋体"/>
+        <a:font script="Hant" typeface="新細明體"/>
+        <a:font script="Arab" typeface="Arial"/>
+        <a:font script="Hebr" typeface="Arial"/>
+        <a:font script="Thai" typeface="Cordia New"/>
+        <a:font script="Ethi" typeface="Nyala"/>
+        <a:font script="Beng" typeface="Vrinda"/>
+        <a:font script="Gujr" typeface="Shruti"/>
+        <a:font script="Khmr" typeface="DaunPenh"/>
+        <a:font script="Knda" typeface="Tunga"/>
+        <a:font script="Guru" typeface="Raavi"/>
+        <a:font script="Cans" typeface="Euphemia"/>
+        <a:font script="Cher" typeface="Plantagenet Cherokee"/>
+        <a:font script="Yiii" typeface="Microsoft Yi Baiti"/>
+        <a:font script="Tibt" typeface="Microsoft Himalaya"/>
+        <a:font script="Thaa" typeface="MV Boli"/>
+        <a:font script="Deva" typeface="Mangal"/>
+        <a:font script="Telu" typeface="Gautami"/>
+        <a:font script="Taml" typeface="Latha"/>
+        <a:font script="Syrc" typeface="Estrangelo Edessa"/>
+        <a:font script="Orya" typeface="Kalinga"/>
+        <a:font script="Mlym" typeface="Kartika"/>
+        <a:font script="Laoo" typeface="DokChampa"/>
+        <a:font script="Sinh" typeface="Iskoola Pota"/>
+        <a:font script="Mong" typeface="Mongolian Baiti"/>
+        <a:font script="Viet" typeface="Arial"/>
+        <a:font script="Uigh" typeface="Microsoft Uighur"/>
+        <a:font script="Geor" typeface="Sylfaen"/>
+      </a:minorFont>
+    </a:fontScheme>
+    <a:fmtScheme name="Larissa">
+      <a:fillStyleLst>
+        <a:solidFill>
+          <a:schemeClr val="phClr"/>
+        </a:solidFill>
+        <a:gradFill rotWithShape="1">
+          <a:gsLst>
+            <a:gs pos="0">
+              <a:schemeClr val="phClr">
+                <a:tint val="50000"/>
+                <a:satMod val="300000"/>
+              </a:schemeClr>
+            </a:gs>
+            <a:gs pos="35000">
+              <a:schemeClr val="phClr">
+                <a:tint val="37000"/>
+                <a:satMod val="300000"/>
+              </a:schemeClr>
+            </a:gs>
+            <a:gs pos="100000">
+              <a:schemeClr val="phClr">
+                <a:tint val="15000"/>
+                <a:satMod val="350000"/>
+              </a:schemeClr>
+            </a:gs>
+          </a:gsLst>
+          <a:lin ang="16200000" scaled="1"/>
+        </a:gradFill>
+        <a:gradFill rotWithShape="1">
+          <a:gsLst>
+            <a:gs pos="0">
+              <a:schemeClr val="phClr">
+                <a:shade val="51000"/>
+                <a:satMod val="130000"/>
+              </a:schemeClr>
+            </a:gs>
+            <a:gs pos="80000">
+              <a:schemeClr val="phClr">
+                <a:shade val="93000"/>
+                <a:satMod val="130000"/>
+              </a:schemeClr>
+            </a:gs>
+            <a:gs pos="100000">
+              <a:schemeClr val="phClr">
+                <a:shade val="94000"/>
+                <a:satMod val="135000"/>
+              </a:schemeClr>
+            </a:gs>
+          </a:gsLst>
+          <a:lin ang="16200000" scaled="0"/>
+        </a:gradFill>
+      </a:fillStyleLst>
+      <a:lnStyleLst>
+        <a:ln w="9525" cap="flat" cmpd="sng" algn="ctr">
+          <a:solidFill>
+            <a:schemeClr val="phClr">
+              <a:shade val="95000"/>
+              <a:satMod val="105000"/>
+            </a:schemeClr>
+          </a:solidFill>
+          <a:prstDash val="solid"/>
+        </a:ln>
+        <a:ln w="25400" cap="flat" cmpd="sng" algn="ctr">
+          <a:solidFill>
+            <a:schemeClr val="phClr"/>
+          </a:solidFill>
+          <a:prstDash val="solid"/>
+        </a:ln>
+        <a:ln w="38100" cap="flat" cmpd="sng" algn="ctr">
+          <a:solidFill>
+            <a:schemeClr val="phClr"/>
+          </a:solidFill>
+          <a:prstDash val="solid"/>
+        </a:ln>
+      </a:lnStyleLst>
+      <a:effectStyleLst>
+        <a:effectStyle>
+          <a:effectLst>
+            <a:outerShdw blurRad="40000" dist="20000" dir="5400000" rotWithShape="0">
+              <a:srgbClr val="000000">
+                <a:alpha val="38000"/>
+              </a:srgbClr>
+            </a:outerShdw>
+          </a:effectLst>
+        </a:effectStyle>
+        <a:effectStyle>
+          <a:effectLst>
+            <a:outerShdw blurRad="40000" dist="23000" dir="5400000" rotWithShape="0">
+              <a:srgbClr val="000000">
+                <a:alpha val="35000"/>
+              </a:srgbClr>
+            </a:outerShdw>
+          </a:effectLst>
+        </a:effectStyle>
+        <a:effectStyle>
+          <a:effectLst>
+            <a:outerShdw blurRad="40000" dist="23000" dir="5400000" rotWithShape="0">
+              <a:srgbClr val="000000">
+                <a:alpha val="35000"/>
+              </a:srgbClr>
+            </a:outerShdw>
+          </a:effectLst>
+          <a:scene3d>
+            <a:camera prst="orthographicFront">
+              <a:rot lat="0" lon="0" rev="0"/>
+            </a:camera>
+            <a:lightRig rig="threePt" dir="t">
+              <a:rot lat="0" lon="0" rev="1200000"/>
+            </a:lightRig>
+          </a:scene3d>
+          <a:sp3d>
+            <a:bevelT w="63500" h="25400"/>
+          </a:sp3d>
+        </a:effectStyle>
+      </a:effectStyleLst>
+      <a:bgFillStyleLst>
+        <a:solidFill>
+          <a:schemeClr val="phClr"/>
+        </a:solidFill>
+        <a:gradFill rotWithShape="1">
+          <a:gsLst>
+            <a:gs pos="0">
+              <a:schemeClr val="phClr">
+                <a:tint val="40000"/>
+                <a:satMod val="350000"/>
+              </a:schemeClr>
+            </a:gs>
+            <a:gs pos="40000">
+              <a:schemeClr val="phClr">
+                <a:tint val="45000"/>
+                <a:shade val="99000"/>
+                <a:satMod val="350000"/>
+              </a:schemeClr>
+            </a:gs>
+            <a:gs pos="100000">
+              <a:schemeClr val="phClr">
+                <a:shade val="20000"/>
+                <a:satMod val="255000"/>
+              </a:schemeClr>
+            </a:gs>
+          </a:gsLst>
+          <a:path path="circle">
+            <a:fillToRect l="50000" t="-80000" r="50000" b="180000"/>
+          </a:path>
+        </a:gradFill>
+        <a:gradFill rotWithShape="1">
+          <a:gsLst>
+            <a:gs pos="0">
+              <a:schemeClr val="phClr">
+                <a:tint val="80000"/>
+                <a:satMod val="300000"/>
+              </a:schemeClr>
+            </a:gs>
+            <a:gs pos="100000">
+              <a:schemeClr val="phClr">
+                <a:shade val="30000"/>
+                <a:satMod val="200000"/>
+              </a:schemeClr>
+            </a:gs>
+          </a:gsLst>
+          <a:path path="circle">
+            <a:fillToRect l="50000" t="50000" r="50000" b="50000"/>
+          </a:path>
+        </a:gradFill>
+      </a:bgFillStyleLst>
+    </a:fmtScheme>
+  </a:themeElements>
+  <a:objectDefaults/>
+  <a:extraClrSchemeLst/>
+</a:theme>
 </file>
--- a/KlaraOpp-Quiz.pptx
+++ b/KlaraOpp-Quiz.pptx
@@ -5,22 +5,23 @@
     <p:sldMasterId id="2147483744" r:id="rId1"/>
   </p:sldMasterIdLst>
   <p:notesMasterIdLst>
-    <p:notesMasterId r:id="rId15"/>
+    <p:notesMasterId r:id="rId16"/>
   </p:notesMasterIdLst>
   <p:sldIdLst>
     <p:sldId id="256" r:id="rId2"/>
-    <p:sldId id="257" r:id="rId3"/>
-    <p:sldId id="258" r:id="rId4"/>
-    <p:sldId id="259" r:id="rId5"/>
-    <p:sldId id="261" r:id="rId6"/>
-    <p:sldId id="260" r:id="rId7"/>
-    <p:sldId id="262" r:id="rId8"/>
-    <p:sldId id="263" r:id="rId9"/>
-    <p:sldId id="264" r:id="rId10"/>
-    <p:sldId id="265" r:id="rId11"/>
-    <p:sldId id="266" r:id="rId12"/>
-    <p:sldId id="267" r:id="rId13"/>
-    <p:sldId id="268" r:id="rId14"/>
+    <p:sldId id="269" r:id="rId3"/>
+    <p:sldId id="257" r:id="rId4"/>
+    <p:sldId id="258" r:id="rId5"/>
+    <p:sldId id="259" r:id="rId6"/>
+    <p:sldId id="261" r:id="rId7"/>
+    <p:sldId id="260" r:id="rId8"/>
+    <p:sldId id="262" r:id="rId9"/>
+    <p:sldId id="263" r:id="rId10"/>
+    <p:sldId id="264" r:id="rId11"/>
+    <p:sldId id="265" r:id="rId12"/>
+    <p:sldId id="266" r:id="rId13"/>
+    <p:sldId id="267" r:id="rId14"/>
+    <p:sldId id="268" r:id="rId15"/>
   </p:sldIdLst>
   <p:sldSz cx="9144000" cy="6858000" type="screen4x3"/>
   <p:notesSz cx="6858000" cy="9144000"/>
@@ -119,6 +120,22 @@
       </a:defRPr>
     </a:lvl9pPr>
   </p:defaultTextStyle>
+  <p:extLst>
+    <p:ext uri="{EFAFB233-063F-42B5-8137-9DF3F51BA10A}">
+      <p15:sldGuideLst xmlns:p15="http://schemas.microsoft.com/office/powerpoint/2012/main">
+        <p15:guide id="1" orient="horz" pos="2160">
+          <p15:clr>
+            <a:srgbClr val="A4A3A4"/>
+          </p15:clr>
+        </p15:guide>
+        <p15:guide id="2" pos="2880">
+          <p15:clr>
+            <a:srgbClr val="A4A3A4"/>
+          </p15:clr>
+        </p15:guide>
+      </p15:sldGuideLst>
+    </p:ext>
+  </p:extLst>
 </p:presentation>
 </file>
 
@@ -204,7 +221,7 @@
           <a:p>
             <a:fld id="{6FB461FE-4EC7-41B4-9893-3A6FB92A7423}" type="datetimeFigureOut">
               <a:rPr lang="de-DE" smtClean="0"/>
-              <a:t>05.03.2018</a:t>
+              <a:t>06.03.2018</a:t>
             </a:fld>
             <a:endParaRPr lang="de-DE"/>
           </a:p>
@@ -268,38 +285,37 @@
           <a:p>
             <a:pPr lvl="0"/>
             <a:r>
-              <a:rPr lang="de-DE" smtClean="0"/>
+              <a:rPr lang="de-DE"/>
               <a:t>Textmasterformat bearbeiten</a:t>
             </a:r>
           </a:p>
           <a:p>
             <a:pPr lvl="1"/>
             <a:r>
-              <a:rPr lang="de-DE" smtClean="0"/>
+              <a:rPr lang="de-DE"/>
               <a:t>Zweite Ebene</a:t>
             </a:r>
           </a:p>
           <a:p>
             <a:pPr lvl="2"/>
             <a:r>
-              <a:rPr lang="de-DE" smtClean="0"/>
+              <a:rPr lang="de-DE"/>
               <a:t>Dritte Ebene</a:t>
             </a:r>
           </a:p>
           <a:p>
             <a:pPr lvl="3"/>
             <a:r>
-              <a:rPr lang="de-DE" smtClean="0"/>
+              <a:rPr lang="de-DE"/>
               <a:t>Vierte Ebene</a:t>
             </a:r>
           </a:p>
           <a:p>
             <a:pPr lvl="4"/>
             <a:r>
-              <a:rPr lang="de-DE" smtClean="0"/>
+              <a:rPr lang="de-DE"/>
               <a:t>Fünfte Ebene</a:t>
             </a:r>
-            <a:endParaRPr lang="de-DE"/>
           </a:p>
         </p:txBody>
       </p:sp>
@@ -517,22 +533,17 @@
           <a:lstStyle/>
           <a:p>
             <a:r>
-              <a:rPr lang="de-DE" dirty="0" smtClean="0"/>
-              <a:t>-</a:t>
-            </a:r>
-            <a:r>
-              <a:rPr lang="de-DE" baseline="0" dirty="0" smtClean="0"/>
-              <a:t> Anwendungsfall / </a:t>
-            </a:r>
-            <a:r>
-              <a:rPr lang="de-DE" baseline="0" dirty="0" err="1" smtClean="0"/>
-              <a:t>Use</a:t>
-            </a:r>
-            <a:r>
-              <a:rPr lang="de-DE" baseline="0" dirty="0" smtClean="0"/>
-              <a:t>-Case: Rollen Mitspieler und Quizmaster</a:t>
-            </a:r>
-            <a:endParaRPr lang="de-DE" dirty="0"/>
+              <a:rPr lang="de-DE" dirty="0"/>
+              <a:t>Wieso Nachbau: </a:t>
+            </a:r>
+            <a:r>
+              <a:rPr lang="de-DE" dirty="0" err="1"/>
+              <a:t>Kahoot</a:t>
+            </a:r>
+            <a:r>
+              <a:rPr lang="de-DE" dirty="0"/>
+              <a:t> soll nicht benutzt werden weil im Ausland gehostet</a:t>
+            </a:r>
           </a:p>
         </p:txBody>
       </p:sp>
@@ -553,7 +564,7 @@
           <a:p>
             <a:fld id="{2CE0CBE3-2A95-4564-A8BE-E2B38EFE6424}" type="slidenum">
               <a:rPr lang="de-DE" smtClean="0"/>
-              <a:t>4</a:t>
+              <a:t>3</a:t>
             </a:fld>
             <a:endParaRPr lang="de-DE"/>
           </a:p>
@@ -562,7 +573,7 @@
     </p:spTree>
     <p:extLst>
       <p:ext uri="{BB962C8B-B14F-4D97-AF65-F5344CB8AC3E}">
-        <p14:creationId xmlns:p14="http://schemas.microsoft.com/office/powerpoint/2010/main" val="644101686"/>
+        <p14:creationId xmlns:p14="http://schemas.microsoft.com/office/powerpoint/2010/main" val="2778440370"/>
       </p:ext>
     </p:extLst>
   </p:cSld>
@@ -616,29 +627,10 @@
           <a:bodyPr/>
           <a:lstStyle/>
           <a:p>
-            <a:pPr marL="171450" indent="-171450">
-              <a:buFontTx/>
-              <a:buChar char="-"/>
-            </a:pPr>
-            <a:r>
-              <a:rPr lang="de-DE" dirty="0" smtClean="0"/>
-              <a:t>Keiner Vorwissen</a:t>
-            </a:r>
-          </a:p>
-          <a:p>
-            <a:pPr marL="171450" indent="-171450">
-              <a:buFontTx/>
-              <a:buChar char="-"/>
-            </a:pPr>
-            <a:r>
-              <a:rPr lang="de-DE" dirty="0" smtClean="0"/>
-              <a:t>Bietet</a:t>
-            </a:r>
-            <a:r>
-              <a:rPr lang="de-DE" baseline="0" dirty="0" smtClean="0"/>
-              <a:t> genug Möglichkeiten für die Umsetzung</a:t>
-            </a:r>
-            <a:endParaRPr lang="de-DE" dirty="0"/>
+            <a:r>
+              <a:rPr lang="de-DE" dirty="0"/>
+              <a:t>Interview Fr. Söllner: Prioritäten auf Funktionalität, Lehrer legen Fragenkataloge an und können eigene bearbeiten, alle Lehrer können alle Kataloge für ein Quiz benutzen, variable Anzahl an Antworten je Frage (4 sind zu wenig, vgl. IHK-Aufgaben)</a:t>
+            </a:r>
           </a:p>
         </p:txBody>
       </p:sp>
@@ -659,7 +651,7 @@
           <a:p>
             <a:fld id="{2CE0CBE3-2A95-4564-A8BE-E2B38EFE6424}" type="slidenum">
               <a:rPr lang="de-DE" smtClean="0"/>
-              <a:t>5</a:t>
+              <a:t>4</a:t>
             </a:fld>
             <a:endParaRPr lang="de-DE"/>
           </a:p>
@@ -668,7 +660,7 @@
     </p:spTree>
     <p:extLst>
       <p:ext uri="{BB962C8B-B14F-4D97-AF65-F5344CB8AC3E}">
-        <p14:creationId xmlns:p14="http://schemas.microsoft.com/office/powerpoint/2010/main" val="3623300583"/>
+        <p14:creationId xmlns:p14="http://schemas.microsoft.com/office/powerpoint/2010/main" val="1759792521"/>
       </p:ext>
     </p:extLst>
   </p:cSld>
@@ -722,9 +714,23 @@
           <a:bodyPr/>
           <a:lstStyle/>
           <a:p>
-            <a:r>
-              <a:rPr lang="de-DE" dirty="0" smtClean="0"/>
-              <a:t>Hübscheres Design, spätere Anpassung der farblichen Gestaltung</a:t>
+            <a:pPr marL="171450" indent="-171450">
+              <a:buFontTx/>
+              <a:buChar char="-"/>
+            </a:pPr>
+            <a:r>
+              <a:rPr lang="de-DE" baseline="0" dirty="0"/>
+              <a:t>Anwendungsfall / Use-Case: Rollen Mitspieler und Quizmaster</a:t>
+            </a:r>
+          </a:p>
+          <a:p>
+            <a:pPr marL="171450" indent="-171450">
+              <a:buFontTx/>
+              <a:buChar char="-"/>
+            </a:pPr>
+            <a:r>
+              <a:rPr lang="de-DE" baseline="0" dirty="0"/>
+              <a:t>Diagramme zeigen und erläutern</a:t>
             </a:r>
             <a:endParaRPr lang="de-DE" dirty="0"/>
           </a:p>
@@ -747,7 +753,7 @@
           <a:p>
             <a:fld id="{2CE0CBE3-2A95-4564-A8BE-E2B38EFE6424}" type="slidenum">
               <a:rPr lang="de-DE" smtClean="0"/>
-              <a:t>11</a:t>
+              <a:t>5</a:t>
             </a:fld>
             <a:endParaRPr lang="de-DE"/>
           </a:p>
@@ -756,7 +762,7 @@
     </p:spTree>
     <p:extLst>
       <p:ext uri="{BB962C8B-B14F-4D97-AF65-F5344CB8AC3E}">
-        <p14:creationId xmlns:p14="http://schemas.microsoft.com/office/powerpoint/2010/main" val="201494631"/>
+        <p14:creationId xmlns:p14="http://schemas.microsoft.com/office/powerpoint/2010/main" val="644101686"/>
       </p:ext>
     </p:extLst>
   </p:cSld>
@@ -810,17 +816,27 @@
           <a:bodyPr/>
           <a:lstStyle/>
           <a:p>
-            <a:r>
-              <a:rPr lang="de-DE" dirty="0" err="1" smtClean="0"/>
-              <a:t>Loginseite</a:t>
-            </a:r>
-            <a:r>
-              <a:rPr lang="de-DE" dirty="0" smtClean="0"/>
-              <a:t>:</a:t>
-            </a:r>
-            <a:r>
-              <a:rPr lang="de-DE" baseline="0" dirty="0" smtClean="0"/>
-              <a:t> Wechsel der Login-Versionen</a:t>
+            <a:pPr marL="171450" indent="-171450">
+              <a:buFontTx/>
+              <a:buChar char="-"/>
+            </a:pPr>
+            <a:r>
+              <a:rPr lang="de-DE" dirty="0"/>
+              <a:t>Keiner Vorwissen</a:t>
+            </a:r>
+          </a:p>
+          <a:p>
+            <a:pPr marL="171450" indent="-171450">
+              <a:buFontTx/>
+              <a:buChar char="-"/>
+            </a:pPr>
+            <a:r>
+              <a:rPr lang="de-DE" dirty="0"/>
+              <a:t>Bietet</a:t>
+            </a:r>
+            <a:r>
+              <a:rPr lang="de-DE" baseline="0" dirty="0"/>
+              <a:t> genug Möglichkeiten für die Umsetzung</a:t>
             </a:r>
             <a:endParaRPr lang="de-DE" dirty="0"/>
           </a:p>
@@ -843,7 +859,7 @@
           <a:p>
             <a:fld id="{2CE0CBE3-2A95-4564-A8BE-E2B38EFE6424}" type="slidenum">
               <a:rPr lang="de-DE" smtClean="0"/>
-              <a:t>12</a:t>
+              <a:t>6</a:t>
             </a:fld>
             <a:endParaRPr lang="de-DE"/>
           </a:p>
@@ -852,7 +868,7 @@
     </p:spTree>
     <p:extLst>
       <p:ext uri="{BB962C8B-B14F-4D97-AF65-F5344CB8AC3E}">
-        <p14:creationId xmlns:p14="http://schemas.microsoft.com/office/powerpoint/2010/main" val="3327477096"/>
+        <p14:creationId xmlns:p14="http://schemas.microsoft.com/office/powerpoint/2010/main" val="3623300583"/>
       </p:ext>
     </p:extLst>
   </p:cSld>
@@ -906,17 +922,108 @@
           <a:bodyPr/>
           <a:lstStyle/>
           <a:p>
+            <a:r>
+              <a:rPr lang="de-DE" dirty="0"/>
+              <a:t>AKTIV: zum „sperren“ von Accounts, die nicht mehr genutzt werden sollen. Löschen ist schlecht wegen referenzieller Integrität (</a:t>
+            </a:r>
+            <a:r>
+              <a:rPr lang="de-DE" dirty="0" err="1"/>
+              <a:t>Foreign</a:t>
+            </a:r>
+            <a:r>
+              <a:rPr lang="de-DE" dirty="0"/>
+              <a:t> Key bei Katalogen auf die ID des Ersteller-Accounts)</a:t>
+            </a:r>
+          </a:p>
+        </p:txBody>
+      </p:sp>
+      <p:sp>
+        <p:nvSpPr>
+          <p:cNvPr id="4" name="Foliennummernplatzhalter 3"/>
+          <p:cNvSpPr>
+            <a:spLocks noGrp="1"/>
+          </p:cNvSpPr>
+          <p:nvPr>
+            <p:ph type="sldNum" sz="quarter" idx="10"/>
+          </p:nvPr>
+        </p:nvSpPr>
+        <p:spPr/>
+        <p:txBody>
+          <a:bodyPr/>
+          <a:lstStyle/>
+          <a:p>
+            <a:fld id="{2CE0CBE3-2A95-4564-A8BE-E2B38EFE6424}" type="slidenum">
+              <a:rPr lang="de-DE" smtClean="0"/>
+              <a:t>8</a:t>
+            </a:fld>
+            <a:endParaRPr lang="de-DE"/>
+          </a:p>
+        </p:txBody>
+      </p:sp>
+    </p:spTree>
+    <p:extLst>
+      <p:ext uri="{BB962C8B-B14F-4D97-AF65-F5344CB8AC3E}">
+        <p14:creationId xmlns:p14="http://schemas.microsoft.com/office/powerpoint/2010/main" val="2730658917"/>
+      </p:ext>
+    </p:extLst>
+  </p:cSld>
+  <p:clrMapOvr>
+    <a:masterClrMapping/>
+  </p:clrMapOvr>
+</p:notes>
+</file>
+
+<file path=ppt/notesSlides/notesSlide6.xml><?xml version="1.0" encoding="utf-8"?>
+<p:notes xmlns:a="http://schemas.openxmlformats.org/drawingml/2006/main" xmlns:r="http://schemas.openxmlformats.org/officeDocument/2006/relationships" xmlns:p="http://schemas.openxmlformats.org/presentationml/2006/main">
+  <p:cSld>
+    <p:spTree>
+      <p:nvGrpSpPr>
+        <p:cNvPr id="1" name=""/>
+        <p:cNvGrpSpPr/>
+        <p:nvPr/>
+      </p:nvGrpSpPr>
+      <p:grpSpPr>
+        <a:xfrm>
+          <a:off x="0" y="0"/>
+          <a:ext cx="0" cy="0"/>
+          <a:chOff x="0" y="0"/>
+          <a:chExt cx="0" cy="0"/>
+        </a:xfrm>
+      </p:grpSpPr>
+      <p:sp>
+        <p:nvSpPr>
+          <p:cNvPr id="2" name="Folienbildplatzhalter 1"/>
+          <p:cNvSpPr>
+            <a:spLocks noGrp="1" noRot="1" noChangeAspect="1"/>
+          </p:cNvSpPr>
+          <p:nvPr>
+            <p:ph type="sldImg"/>
+          </p:nvPr>
+        </p:nvSpPr>
+        <p:spPr/>
+      </p:sp>
+      <p:sp>
+        <p:nvSpPr>
+          <p:cNvPr id="3" name="Notizenplatzhalter 2"/>
+          <p:cNvSpPr>
+            <a:spLocks noGrp="1"/>
+          </p:cNvSpPr>
+          <p:nvPr>
+            <p:ph type="body" idx="1"/>
+          </p:nvPr>
+        </p:nvSpPr>
+        <p:spPr/>
+        <p:txBody>
+          <a:bodyPr/>
+          <a:lstStyle/>
+          <a:p>
             <a:pPr marL="171450" indent="-171450">
               <a:buFontTx/>
               <a:buChar char="-"/>
             </a:pPr>
             <a:r>
-              <a:rPr lang="de-DE" dirty="0" smtClean="0"/>
-              <a:t>Klare übersichtliche</a:t>
-            </a:r>
-            <a:r>
-              <a:rPr lang="de-DE" baseline="0" dirty="0" smtClean="0"/>
-              <a:t> Struktur</a:t>
+              <a:rPr lang="de-DE" dirty="0"/>
+              <a:t>Hübscheres Design, spätere Anpassung der farblichen Gestaltung</a:t>
             </a:r>
           </a:p>
           <a:p>
@@ -925,18 +1032,199 @@
               <a:buChar char="-"/>
             </a:pPr>
             <a:r>
-              <a:rPr lang="de-DE" baseline="0" dirty="0" smtClean="0"/>
-              <a:t>Größerer Aufwand, keine Funktionalität zw. Oberfläche und DB</a:t>
-            </a:r>
-          </a:p>
+              <a:rPr lang="de-DE" dirty="0"/>
+              <a:t>Hier oder auf der nächsten Seite (JavaScript der Login-Seite) dann die „fertigen“ HTML-Seiten zeigen</a:t>
+            </a:r>
+          </a:p>
+        </p:txBody>
+      </p:sp>
+      <p:sp>
+        <p:nvSpPr>
+          <p:cNvPr id="4" name="Foliennummernplatzhalter 3"/>
+          <p:cNvSpPr>
+            <a:spLocks noGrp="1"/>
+          </p:cNvSpPr>
+          <p:nvPr>
+            <p:ph type="sldNum" sz="quarter" idx="10"/>
+          </p:nvPr>
+        </p:nvSpPr>
+        <p:spPr/>
+        <p:txBody>
+          <a:bodyPr/>
+          <a:lstStyle/>
+          <a:p>
+            <a:fld id="{2CE0CBE3-2A95-4564-A8BE-E2B38EFE6424}" type="slidenum">
+              <a:rPr lang="de-DE" smtClean="0"/>
+              <a:t>12</a:t>
+            </a:fld>
+            <a:endParaRPr lang="de-DE"/>
+          </a:p>
+        </p:txBody>
+      </p:sp>
+    </p:spTree>
+    <p:extLst>
+      <p:ext uri="{BB962C8B-B14F-4D97-AF65-F5344CB8AC3E}">
+        <p14:creationId xmlns:p14="http://schemas.microsoft.com/office/powerpoint/2010/main" val="201494631"/>
+      </p:ext>
+    </p:extLst>
+  </p:cSld>
+  <p:clrMapOvr>
+    <a:masterClrMapping/>
+  </p:clrMapOvr>
+</p:notes>
+</file>
+
+<file path=ppt/notesSlides/notesSlide7.xml><?xml version="1.0" encoding="utf-8"?>
+<p:notes xmlns:a="http://schemas.openxmlformats.org/drawingml/2006/main" xmlns:r="http://schemas.openxmlformats.org/officeDocument/2006/relationships" xmlns:p="http://schemas.openxmlformats.org/presentationml/2006/main">
+  <p:cSld>
+    <p:spTree>
+      <p:nvGrpSpPr>
+        <p:cNvPr id="1" name=""/>
+        <p:cNvGrpSpPr/>
+        <p:nvPr/>
+      </p:nvGrpSpPr>
+      <p:grpSpPr>
+        <a:xfrm>
+          <a:off x="0" y="0"/>
+          <a:ext cx="0" cy="0"/>
+          <a:chOff x="0" y="0"/>
+          <a:chExt cx="0" cy="0"/>
+        </a:xfrm>
+      </p:grpSpPr>
+      <p:sp>
+        <p:nvSpPr>
+          <p:cNvPr id="2" name="Folienbildplatzhalter 1"/>
+          <p:cNvSpPr>
+            <a:spLocks noGrp="1" noRot="1" noChangeAspect="1"/>
+          </p:cNvSpPr>
+          <p:nvPr>
+            <p:ph type="sldImg"/>
+          </p:nvPr>
+        </p:nvSpPr>
+        <p:spPr/>
+      </p:sp>
+      <p:sp>
+        <p:nvSpPr>
+          <p:cNvPr id="3" name="Notizenplatzhalter 2"/>
+          <p:cNvSpPr>
+            <a:spLocks noGrp="1"/>
+          </p:cNvSpPr>
+          <p:nvPr>
+            <p:ph type="body" idx="1"/>
+          </p:nvPr>
+        </p:nvSpPr>
+        <p:spPr/>
+        <p:txBody>
+          <a:bodyPr/>
+          <a:lstStyle/>
+          <a:p>
+            <a:r>
+              <a:rPr lang="de-DE" dirty="0" err="1"/>
+              <a:t>Loginseite</a:t>
+            </a:r>
+            <a:r>
+              <a:rPr lang="de-DE" dirty="0"/>
+              <a:t>:</a:t>
+            </a:r>
+            <a:r>
+              <a:rPr lang="de-DE" baseline="0" dirty="0"/>
+              <a:t> Wechsel der Login-Versionen</a:t>
+            </a:r>
+            <a:endParaRPr lang="de-DE" dirty="0"/>
+          </a:p>
+        </p:txBody>
+      </p:sp>
+      <p:sp>
+        <p:nvSpPr>
+          <p:cNvPr id="4" name="Foliennummernplatzhalter 3"/>
+          <p:cNvSpPr>
+            <a:spLocks noGrp="1"/>
+          </p:cNvSpPr>
+          <p:nvPr>
+            <p:ph type="sldNum" sz="quarter" idx="10"/>
+          </p:nvPr>
+        </p:nvSpPr>
+        <p:spPr/>
+        <p:txBody>
+          <a:bodyPr/>
+          <a:lstStyle/>
+          <a:p>
+            <a:fld id="{2CE0CBE3-2A95-4564-A8BE-E2B38EFE6424}" type="slidenum">
+              <a:rPr lang="de-DE" smtClean="0"/>
+              <a:t>13</a:t>
+            </a:fld>
+            <a:endParaRPr lang="de-DE"/>
+          </a:p>
+        </p:txBody>
+      </p:sp>
+    </p:spTree>
+    <p:extLst>
+      <p:ext uri="{BB962C8B-B14F-4D97-AF65-F5344CB8AC3E}">
+        <p14:creationId xmlns:p14="http://schemas.microsoft.com/office/powerpoint/2010/main" val="3327477096"/>
+      </p:ext>
+    </p:extLst>
+  </p:cSld>
+  <p:clrMapOvr>
+    <a:masterClrMapping/>
+  </p:clrMapOvr>
+</p:notes>
+</file>
+
+<file path=ppt/notesSlides/notesSlide8.xml><?xml version="1.0" encoding="utf-8"?>
+<p:notes xmlns:a="http://schemas.openxmlformats.org/drawingml/2006/main" xmlns:r="http://schemas.openxmlformats.org/officeDocument/2006/relationships" xmlns:p="http://schemas.openxmlformats.org/presentationml/2006/main">
+  <p:cSld>
+    <p:spTree>
+      <p:nvGrpSpPr>
+        <p:cNvPr id="1" name=""/>
+        <p:cNvGrpSpPr/>
+        <p:nvPr/>
+      </p:nvGrpSpPr>
+      <p:grpSpPr>
+        <a:xfrm>
+          <a:off x="0" y="0"/>
+          <a:ext cx="0" cy="0"/>
+          <a:chOff x="0" y="0"/>
+          <a:chExt cx="0" cy="0"/>
+        </a:xfrm>
+      </p:grpSpPr>
+      <p:sp>
+        <p:nvSpPr>
+          <p:cNvPr id="2" name="Folienbildplatzhalter 1"/>
+          <p:cNvSpPr>
+            <a:spLocks noGrp="1" noRot="1" noChangeAspect="1"/>
+          </p:cNvSpPr>
+          <p:nvPr>
+            <p:ph type="sldImg"/>
+          </p:nvPr>
+        </p:nvSpPr>
+        <p:spPr/>
+      </p:sp>
+      <p:sp>
+        <p:nvSpPr>
+          <p:cNvPr id="3" name="Notizenplatzhalter 2"/>
+          <p:cNvSpPr>
+            <a:spLocks noGrp="1"/>
+          </p:cNvSpPr>
+          <p:nvPr>
+            <p:ph type="body" idx="1"/>
+          </p:nvPr>
+        </p:nvSpPr>
+        <p:spPr/>
+        <p:txBody>
+          <a:bodyPr/>
+          <a:lstStyle/>
           <a:p>
             <a:pPr marL="171450" indent="-171450">
               <a:buFontTx/>
               <a:buChar char="-"/>
             </a:pPr>
             <a:r>
-              <a:rPr lang="de-DE" baseline="0" dirty="0" smtClean="0"/>
-              <a:t>Kleine Gruppe, kein Vorwissen</a:t>
+              <a:rPr lang="de-DE" dirty="0"/>
+              <a:t>Klare übersichtliche</a:t>
+            </a:r>
+            <a:r>
+              <a:rPr lang="de-DE" baseline="0" dirty="0"/>
+              <a:t> Struktur</a:t>
             </a:r>
           </a:p>
           <a:p>
@@ -945,7 +1233,27 @@
               <a:buChar char="-"/>
             </a:pPr>
             <a:r>
-              <a:rPr lang="de-DE" baseline="0" dirty="0" smtClean="0"/>
+              <a:rPr lang="de-DE" baseline="0" dirty="0"/>
+              <a:t>Größerer Aufwand, keine Funktionalität zw. Oberfläche und DB</a:t>
+            </a:r>
+          </a:p>
+          <a:p>
+            <a:pPr marL="171450" indent="-171450">
+              <a:buFontTx/>
+              <a:buChar char="-"/>
+            </a:pPr>
+            <a:r>
+              <a:rPr lang="de-DE" baseline="0" dirty="0"/>
+              <a:t>Kleine Gruppe, kein Vorwissen</a:t>
+            </a:r>
+          </a:p>
+          <a:p>
+            <a:pPr marL="171450" indent="-171450">
+              <a:buFontTx/>
+              <a:buChar char="-"/>
+            </a:pPr>
+            <a:r>
+              <a:rPr lang="de-DE" baseline="0" dirty="0"/>
               <a:t>Ausfälle durch Krankheit -&gt; kein Spielraum</a:t>
             </a:r>
             <a:endParaRPr lang="de-DE" dirty="0"/>
@@ -969,7 +1277,7 @@
           <a:p>
             <a:fld id="{2CE0CBE3-2A95-4564-A8BE-E2B38EFE6424}" type="slidenum">
               <a:rPr lang="de-DE" smtClean="0"/>
-              <a:t>13</a:t>
+              <a:t>14</a:t>
             </a:fld>
             <a:endParaRPr lang="de-DE"/>
           </a:p>
@@ -1284,7 +1592,7 @@
           </a:lstStyle>
           <a:p>
             <a:r>
-              <a:rPr kumimoji="0" lang="de-DE" smtClean="0"/>
+              <a:rPr kumimoji="0" lang="de-DE"/>
               <a:t>Titelmasterformat durch Klicken bearbeiten</a:t>
             </a:r>
             <a:endParaRPr kumimoji="0" lang="en-US"/>
@@ -1348,7 +1656,7 @@
           </a:lstStyle>
           <a:p>
             <a:r>
-              <a:rPr kumimoji="0" lang="de-DE" smtClean="0"/>
+              <a:rPr kumimoji="0" lang="de-DE"/>
               <a:t>Formatvorlage des Untertitelmasters durch Klicken bearbeiten</a:t>
             </a:r>
             <a:endParaRPr kumimoji="0" lang="en-US"/>
@@ -1372,7 +1680,7 @@
           <a:p>
             <a:fld id="{DF25074F-A6D6-49FF-8C95-5739E129D9E5}" type="datetimeFigureOut">
               <a:rPr lang="de-DE" smtClean="0"/>
-              <a:t>05.03.2018</a:t>
+              <a:t>06.03.2018</a:t>
             </a:fld>
             <a:endParaRPr lang="de-DE"/>
           </a:p>
@@ -1461,7 +1769,7 @@
           <a:lstStyle/>
           <a:p>
             <a:r>
-              <a:rPr kumimoji="0" lang="de-DE" smtClean="0"/>
+              <a:rPr kumimoji="0" lang="de-DE"/>
               <a:t>Titelmasterformat durch Klicken bearbeiten</a:t>
             </a:r>
             <a:endParaRPr kumimoji="0" lang="en-US"/>
@@ -1485,35 +1793,35 @@
           <a:p>
             <a:pPr lvl="0" eaLnBrk="1" latinLnBrk="0" hangingPunct="1"/>
             <a:r>
-              <a:rPr lang="de-DE" smtClean="0"/>
+              <a:rPr lang="de-DE"/>
               <a:t>Textmasterformat bearbeiten</a:t>
             </a:r>
           </a:p>
           <a:p>
             <a:pPr lvl="1" eaLnBrk="1" latinLnBrk="0" hangingPunct="1"/>
             <a:r>
-              <a:rPr lang="de-DE" smtClean="0"/>
+              <a:rPr lang="de-DE"/>
               <a:t>Zweite Ebene</a:t>
             </a:r>
           </a:p>
           <a:p>
             <a:pPr lvl="2" eaLnBrk="1" latinLnBrk="0" hangingPunct="1"/>
             <a:r>
-              <a:rPr lang="de-DE" smtClean="0"/>
+              <a:rPr lang="de-DE"/>
               <a:t>Dritte Ebene</a:t>
             </a:r>
           </a:p>
           <a:p>
             <a:pPr lvl="3" eaLnBrk="1" latinLnBrk="0" hangingPunct="1"/>
             <a:r>
-              <a:rPr lang="de-DE" smtClean="0"/>
+              <a:rPr lang="de-DE"/>
               <a:t>Vierte Ebene</a:t>
             </a:r>
           </a:p>
           <a:p>
             <a:pPr lvl="4" eaLnBrk="1" latinLnBrk="0" hangingPunct="1"/>
             <a:r>
-              <a:rPr lang="de-DE" smtClean="0"/>
+              <a:rPr lang="de-DE"/>
               <a:t>Fünfte Ebene</a:t>
             </a:r>
             <a:endParaRPr kumimoji="0" lang="en-US"/>
@@ -1537,7 +1845,7 @@
           <a:p>
             <a:fld id="{DF25074F-A6D6-49FF-8C95-5739E129D9E5}" type="datetimeFigureOut">
               <a:rPr lang="de-DE" smtClean="0"/>
-              <a:t>05.03.2018</a:t>
+              <a:t>06.03.2018</a:t>
             </a:fld>
             <a:endParaRPr lang="de-DE"/>
           </a:p>
@@ -1631,7 +1939,7 @@
           <a:lstStyle/>
           <a:p>
             <a:r>
-              <a:rPr kumimoji="0" lang="de-DE" smtClean="0"/>
+              <a:rPr kumimoji="0" lang="de-DE"/>
               <a:t>Titelmasterformat durch Klicken bearbeiten</a:t>
             </a:r>
             <a:endParaRPr kumimoji="0" lang="en-US"/>
@@ -1660,35 +1968,35 @@
           <a:p>
             <a:pPr lvl="0" eaLnBrk="1" latinLnBrk="0" hangingPunct="1"/>
             <a:r>
-              <a:rPr lang="de-DE" smtClean="0"/>
+              <a:rPr lang="de-DE"/>
               <a:t>Textmasterformat bearbeiten</a:t>
             </a:r>
           </a:p>
           <a:p>
             <a:pPr lvl="1" eaLnBrk="1" latinLnBrk="0" hangingPunct="1"/>
             <a:r>
-              <a:rPr lang="de-DE" smtClean="0"/>
+              <a:rPr lang="de-DE"/>
               <a:t>Zweite Ebene</a:t>
             </a:r>
           </a:p>
           <a:p>
             <a:pPr lvl="2" eaLnBrk="1" latinLnBrk="0" hangingPunct="1"/>
             <a:r>
-              <a:rPr lang="de-DE" smtClean="0"/>
+              <a:rPr lang="de-DE"/>
               <a:t>Dritte Ebene</a:t>
             </a:r>
           </a:p>
           <a:p>
             <a:pPr lvl="3" eaLnBrk="1" latinLnBrk="0" hangingPunct="1"/>
             <a:r>
-              <a:rPr lang="de-DE" smtClean="0"/>
+              <a:rPr lang="de-DE"/>
               <a:t>Vierte Ebene</a:t>
             </a:r>
           </a:p>
           <a:p>
             <a:pPr lvl="4" eaLnBrk="1" latinLnBrk="0" hangingPunct="1"/>
             <a:r>
-              <a:rPr lang="de-DE" smtClean="0"/>
+              <a:rPr lang="de-DE"/>
               <a:t>Fünfte Ebene</a:t>
             </a:r>
             <a:endParaRPr kumimoji="0" lang="en-US"/>
@@ -1712,7 +2020,7 @@
           <a:p>
             <a:fld id="{DF25074F-A6D6-49FF-8C95-5739E129D9E5}" type="datetimeFigureOut">
               <a:rPr lang="de-DE" smtClean="0"/>
-              <a:t>05.03.2018</a:t>
+              <a:t>06.03.2018</a:t>
             </a:fld>
             <a:endParaRPr lang="de-DE"/>
           </a:p>
@@ -1805,7 +2113,7 @@
           </a:lstStyle>
           <a:p>
             <a:r>
-              <a:rPr kumimoji="0" lang="de-DE" smtClean="0"/>
+              <a:rPr kumimoji="0" lang="de-DE"/>
               <a:t>Titelmasterformat durch Klicken bearbeiten</a:t>
             </a:r>
             <a:endParaRPr kumimoji="0" lang="en-US"/>
@@ -1829,35 +2137,35 @@
           <a:p>
             <a:pPr lvl="0" eaLnBrk="1" latinLnBrk="0" hangingPunct="1"/>
             <a:r>
-              <a:rPr lang="de-DE" smtClean="0"/>
+              <a:rPr lang="de-DE"/>
               <a:t>Textmasterformat bearbeiten</a:t>
             </a:r>
           </a:p>
           <a:p>
             <a:pPr lvl="1" eaLnBrk="1" latinLnBrk="0" hangingPunct="1"/>
             <a:r>
-              <a:rPr lang="de-DE" smtClean="0"/>
+              <a:rPr lang="de-DE"/>
               <a:t>Zweite Ebene</a:t>
             </a:r>
           </a:p>
           <a:p>
             <a:pPr lvl="2" eaLnBrk="1" latinLnBrk="0" hangingPunct="1"/>
             <a:r>
-              <a:rPr lang="de-DE" smtClean="0"/>
+              <a:rPr lang="de-DE"/>
               <a:t>Dritte Ebene</a:t>
             </a:r>
           </a:p>
           <a:p>
             <a:pPr lvl="3" eaLnBrk="1" latinLnBrk="0" hangingPunct="1"/>
             <a:r>
-              <a:rPr lang="de-DE" smtClean="0"/>
+              <a:rPr lang="de-DE"/>
               <a:t>Vierte Ebene</a:t>
             </a:r>
           </a:p>
           <a:p>
             <a:pPr lvl="4" eaLnBrk="1" latinLnBrk="0" hangingPunct="1"/>
             <a:r>
-              <a:rPr lang="de-DE" smtClean="0"/>
+              <a:rPr lang="de-DE"/>
               <a:t>Fünfte Ebene</a:t>
             </a:r>
             <a:endParaRPr kumimoji="0" lang="en-US"/>
@@ -1881,7 +2189,7 @@
           <a:p>
             <a:fld id="{DF25074F-A6D6-49FF-8C95-5739E129D9E5}" type="datetimeFigureOut">
               <a:rPr lang="de-DE" smtClean="0"/>
-              <a:t>05.03.2018</a:t>
+              <a:t>06.03.2018</a:t>
             </a:fld>
             <a:endParaRPr lang="de-DE"/>
           </a:p>
@@ -2234,7 +2542,7 @@
           </a:lstStyle>
           <a:p>
             <a:r>
-              <a:rPr kumimoji="0" lang="de-DE" smtClean="0"/>
+              <a:rPr kumimoji="0" lang="de-DE"/>
               <a:t>Titelmasterformat durch Klicken bearbeiten</a:t>
             </a:r>
             <a:endParaRPr kumimoji="0" lang="en-US"/>
@@ -2313,7 +2621,7 @@
           <a:p>
             <a:pPr lvl="0" eaLnBrk="1" latinLnBrk="0" hangingPunct="1"/>
             <a:r>
-              <a:rPr kumimoji="0" lang="de-DE" smtClean="0"/>
+              <a:rPr kumimoji="0" lang="de-DE"/>
               <a:t>Textmasterformat bearbeiten</a:t>
             </a:r>
           </a:p>
@@ -2336,7 +2644,7 @@
           <a:p>
             <a:fld id="{DF25074F-A6D6-49FF-8C95-5739E129D9E5}" type="datetimeFigureOut">
               <a:rPr lang="de-DE" smtClean="0"/>
-              <a:t>05.03.2018</a:t>
+              <a:t>06.03.2018</a:t>
             </a:fld>
             <a:endParaRPr lang="de-DE"/>
           </a:p>
@@ -2430,7 +2738,7 @@
           <a:lstStyle/>
           <a:p>
             <a:r>
-              <a:rPr kumimoji="0" lang="de-DE" smtClean="0"/>
+              <a:rPr kumimoji="0" lang="de-DE"/>
               <a:t>Titelmasterformat durch Klicken bearbeiten</a:t>
             </a:r>
             <a:endParaRPr kumimoji="0" lang="en-US"/>
@@ -2475,35 +2783,35 @@
           <a:p>
             <a:pPr lvl="0" eaLnBrk="1" latinLnBrk="0" hangingPunct="1"/>
             <a:r>
-              <a:rPr lang="de-DE" smtClean="0"/>
+              <a:rPr lang="de-DE"/>
               <a:t>Textmasterformat bearbeiten</a:t>
             </a:r>
           </a:p>
           <a:p>
             <a:pPr lvl="1" eaLnBrk="1" latinLnBrk="0" hangingPunct="1"/>
             <a:r>
-              <a:rPr lang="de-DE" smtClean="0"/>
+              <a:rPr lang="de-DE"/>
               <a:t>Zweite Ebene</a:t>
             </a:r>
           </a:p>
           <a:p>
             <a:pPr lvl="2" eaLnBrk="1" latinLnBrk="0" hangingPunct="1"/>
             <a:r>
-              <a:rPr lang="de-DE" smtClean="0"/>
+              <a:rPr lang="de-DE"/>
               <a:t>Dritte Ebene</a:t>
             </a:r>
           </a:p>
           <a:p>
             <a:pPr lvl="3" eaLnBrk="1" latinLnBrk="0" hangingPunct="1"/>
             <a:r>
-              <a:rPr lang="de-DE" smtClean="0"/>
+              <a:rPr lang="de-DE"/>
               <a:t>Vierte Ebene</a:t>
             </a:r>
           </a:p>
           <a:p>
             <a:pPr lvl="4" eaLnBrk="1" latinLnBrk="0" hangingPunct="1"/>
             <a:r>
-              <a:rPr lang="de-DE" smtClean="0"/>
+              <a:rPr lang="de-DE"/>
               <a:t>Fünfte Ebene</a:t>
             </a:r>
             <a:endParaRPr kumimoji="0" lang="en-US"/>
@@ -2548,35 +2856,35 @@
           <a:p>
             <a:pPr lvl="0" eaLnBrk="1" latinLnBrk="0" hangingPunct="1"/>
             <a:r>
-              <a:rPr lang="de-DE" smtClean="0"/>
+              <a:rPr lang="de-DE"/>
               <a:t>Textmasterformat bearbeiten</a:t>
             </a:r>
           </a:p>
           <a:p>
             <a:pPr lvl="1" eaLnBrk="1" latinLnBrk="0" hangingPunct="1"/>
             <a:r>
-              <a:rPr lang="de-DE" smtClean="0"/>
+              <a:rPr lang="de-DE"/>
               <a:t>Zweite Ebene</a:t>
             </a:r>
           </a:p>
           <a:p>
             <a:pPr lvl="2" eaLnBrk="1" latinLnBrk="0" hangingPunct="1"/>
             <a:r>
-              <a:rPr lang="de-DE" smtClean="0"/>
+              <a:rPr lang="de-DE"/>
               <a:t>Dritte Ebene</a:t>
             </a:r>
           </a:p>
           <a:p>
             <a:pPr lvl="3" eaLnBrk="1" latinLnBrk="0" hangingPunct="1"/>
             <a:r>
-              <a:rPr lang="de-DE" smtClean="0"/>
+              <a:rPr lang="de-DE"/>
               <a:t>Vierte Ebene</a:t>
             </a:r>
           </a:p>
           <a:p>
             <a:pPr lvl="4" eaLnBrk="1" latinLnBrk="0" hangingPunct="1"/>
             <a:r>
-              <a:rPr lang="de-DE" smtClean="0"/>
+              <a:rPr lang="de-DE"/>
               <a:t>Fünfte Ebene</a:t>
             </a:r>
             <a:endParaRPr kumimoji="0" lang="en-US"/>
@@ -2600,7 +2908,7 @@
           <a:p>
             <a:fld id="{DF25074F-A6D6-49FF-8C95-5739E129D9E5}" type="datetimeFigureOut">
               <a:rPr lang="de-DE" smtClean="0"/>
-              <a:t>05.03.2018</a:t>
+              <a:t>06.03.2018</a:t>
             </a:fld>
             <a:endParaRPr lang="de-DE"/>
           </a:p>
@@ -2698,7 +3006,7 @@
           </a:lstStyle>
           <a:p>
             <a:r>
-              <a:rPr kumimoji="0" lang="de-DE" smtClean="0"/>
+              <a:rPr kumimoji="0" lang="de-DE"/>
               <a:t>Titelmasterformat durch Klicken bearbeiten</a:t>
             </a:r>
             <a:endParaRPr kumimoji="0" lang="en-US"/>
@@ -2752,7 +3060,7 @@
           <a:p>
             <a:pPr lvl="0" eaLnBrk="1" latinLnBrk="0" hangingPunct="1"/>
             <a:r>
-              <a:rPr kumimoji="0" lang="de-DE" smtClean="0"/>
+              <a:rPr kumimoji="0" lang="de-DE"/>
               <a:t>Textmasterformat bearbeiten</a:t>
             </a:r>
           </a:p>
@@ -2805,7 +3113,7 @@
           <a:p>
             <a:pPr lvl="0" eaLnBrk="1" latinLnBrk="0" hangingPunct="1"/>
             <a:r>
-              <a:rPr kumimoji="0" lang="de-DE" smtClean="0"/>
+              <a:rPr kumimoji="0" lang="de-DE"/>
               <a:t>Textmasterformat bearbeiten</a:t>
             </a:r>
           </a:p>
@@ -2849,35 +3157,35 @@
           <a:p>
             <a:pPr lvl="0" eaLnBrk="1" latinLnBrk="0" hangingPunct="1"/>
             <a:r>
-              <a:rPr lang="de-DE" smtClean="0"/>
+              <a:rPr lang="de-DE"/>
               <a:t>Textmasterformat bearbeiten</a:t>
             </a:r>
           </a:p>
           <a:p>
             <a:pPr lvl="1" eaLnBrk="1" latinLnBrk="0" hangingPunct="1"/>
             <a:r>
-              <a:rPr lang="de-DE" smtClean="0"/>
+              <a:rPr lang="de-DE"/>
               <a:t>Zweite Ebene</a:t>
             </a:r>
           </a:p>
           <a:p>
             <a:pPr lvl="2" eaLnBrk="1" latinLnBrk="0" hangingPunct="1"/>
             <a:r>
-              <a:rPr lang="de-DE" smtClean="0"/>
+              <a:rPr lang="de-DE"/>
               <a:t>Dritte Ebene</a:t>
             </a:r>
           </a:p>
           <a:p>
             <a:pPr lvl="3" eaLnBrk="1" latinLnBrk="0" hangingPunct="1"/>
             <a:r>
-              <a:rPr lang="de-DE" smtClean="0"/>
+              <a:rPr lang="de-DE"/>
               <a:t>Vierte Ebene</a:t>
             </a:r>
           </a:p>
           <a:p>
             <a:pPr lvl="4" eaLnBrk="1" latinLnBrk="0" hangingPunct="1"/>
             <a:r>
-              <a:rPr lang="de-DE" smtClean="0"/>
+              <a:rPr lang="de-DE"/>
               <a:t>Fünfte Ebene</a:t>
             </a:r>
             <a:endParaRPr kumimoji="0" lang="en-US"/>
@@ -2922,35 +3230,35 @@
           <a:p>
             <a:pPr lvl="0" eaLnBrk="1" latinLnBrk="0" hangingPunct="1"/>
             <a:r>
-              <a:rPr lang="de-DE" smtClean="0"/>
+              <a:rPr lang="de-DE"/>
               <a:t>Textmasterformat bearbeiten</a:t>
             </a:r>
           </a:p>
           <a:p>
             <a:pPr lvl="1" eaLnBrk="1" latinLnBrk="0" hangingPunct="1"/>
             <a:r>
-              <a:rPr lang="de-DE" smtClean="0"/>
+              <a:rPr lang="de-DE"/>
               <a:t>Zweite Ebene</a:t>
             </a:r>
           </a:p>
           <a:p>
             <a:pPr lvl="2" eaLnBrk="1" latinLnBrk="0" hangingPunct="1"/>
             <a:r>
-              <a:rPr lang="de-DE" smtClean="0"/>
+              <a:rPr lang="de-DE"/>
               <a:t>Dritte Ebene</a:t>
             </a:r>
           </a:p>
           <a:p>
             <a:pPr lvl="3" eaLnBrk="1" latinLnBrk="0" hangingPunct="1"/>
             <a:r>
-              <a:rPr lang="de-DE" smtClean="0"/>
+              <a:rPr lang="de-DE"/>
               <a:t>Vierte Ebene</a:t>
             </a:r>
           </a:p>
           <a:p>
             <a:pPr lvl="4" eaLnBrk="1" latinLnBrk="0" hangingPunct="1"/>
             <a:r>
-              <a:rPr lang="de-DE" smtClean="0"/>
+              <a:rPr lang="de-DE"/>
               <a:t>Fünfte Ebene</a:t>
             </a:r>
             <a:endParaRPr kumimoji="0" lang="en-US"/>
@@ -2974,7 +3282,7 @@
           <a:p>
             <a:fld id="{DF25074F-A6D6-49FF-8C95-5739E129D9E5}" type="datetimeFigureOut">
               <a:rPr lang="de-DE" smtClean="0"/>
-              <a:t>05.03.2018</a:t>
+              <a:t>06.03.2018</a:t>
             </a:fld>
             <a:endParaRPr lang="de-DE"/>
           </a:p>
@@ -3072,7 +3380,7 @@
           </a:lstStyle>
           <a:p>
             <a:r>
-              <a:rPr kumimoji="0" lang="de-DE" smtClean="0"/>
+              <a:rPr kumimoji="0" lang="de-DE"/>
               <a:t>Titelmasterformat durch Klicken bearbeiten</a:t>
             </a:r>
             <a:endParaRPr kumimoji="0" lang="en-US"/>
@@ -3096,7 +3404,7 @@
           <a:p>
             <a:fld id="{DF25074F-A6D6-49FF-8C95-5739E129D9E5}" type="datetimeFigureOut">
               <a:rPr lang="de-DE" smtClean="0"/>
-              <a:t>05.03.2018</a:t>
+              <a:t>06.03.2018</a:t>
             </a:fld>
             <a:endParaRPr lang="de-DE"/>
           </a:p>
@@ -3186,7 +3494,7 @@
           <a:p>
             <a:fld id="{DF25074F-A6D6-49FF-8C95-5739E129D9E5}" type="datetimeFigureOut">
               <a:rPr lang="de-DE" smtClean="0"/>
-              <a:t>05.03.2018</a:t>
+              <a:t>06.03.2018</a:t>
             </a:fld>
             <a:endParaRPr lang="de-DE"/>
           </a:p>
@@ -3289,7 +3597,7 @@
           </a:lstStyle>
           <a:p>
             <a:r>
-              <a:rPr kumimoji="0" lang="de-DE" smtClean="0"/>
+              <a:rPr kumimoji="0" lang="de-DE"/>
               <a:t>Titelmasterformat durch Klicken bearbeiten</a:t>
             </a:r>
             <a:endParaRPr kumimoji="0" lang="en-US"/>
@@ -3339,7 +3647,7 @@
           <a:p>
             <a:pPr lvl="0" eaLnBrk="1" latinLnBrk="0" hangingPunct="1"/>
             <a:r>
-              <a:rPr kumimoji="0" lang="de-DE" smtClean="0"/>
+              <a:rPr kumimoji="0" lang="de-DE"/>
               <a:t>Textmasterformat bearbeiten</a:t>
             </a:r>
           </a:p>
@@ -3383,35 +3691,35 @@
           <a:p>
             <a:pPr lvl="0" eaLnBrk="1" latinLnBrk="0" hangingPunct="1"/>
             <a:r>
-              <a:rPr lang="de-DE" smtClean="0"/>
+              <a:rPr lang="de-DE"/>
               <a:t>Textmasterformat bearbeiten</a:t>
             </a:r>
           </a:p>
           <a:p>
             <a:pPr lvl="1" eaLnBrk="1" latinLnBrk="0" hangingPunct="1"/>
             <a:r>
-              <a:rPr lang="de-DE" smtClean="0"/>
+              <a:rPr lang="de-DE"/>
               <a:t>Zweite Ebene</a:t>
             </a:r>
           </a:p>
           <a:p>
             <a:pPr lvl="2" eaLnBrk="1" latinLnBrk="0" hangingPunct="1"/>
             <a:r>
-              <a:rPr lang="de-DE" smtClean="0"/>
+              <a:rPr lang="de-DE"/>
               <a:t>Dritte Ebene</a:t>
             </a:r>
           </a:p>
           <a:p>
             <a:pPr lvl="3" eaLnBrk="1" latinLnBrk="0" hangingPunct="1"/>
             <a:r>
-              <a:rPr lang="de-DE" smtClean="0"/>
+              <a:rPr lang="de-DE"/>
               <a:t>Vierte Ebene</a:t>
             </a:r>
           </a:p>
           <a:p>
             <a:pPr lvl="4" eaLnBrk="1" latinLnBrk="0" hangingPunct="1"/>
             <a:r>
-              <a:rPr lang="de-DE" smtClean="0"/>
+              <a:rPr lang="de-DE"/>
               <a:t>Fünfte Ebene</a:t>
             </a:r>
             <a:endParaRPr kumimoji="0" lang="en-US"/>
@@ -3435,7 +3743,7 @@
           <a:p>
             <a:fld id="{DF25074F-A6D6-49FF-8C95-5739E129D9E5}" type="datetimeFigureOut">
               <a:rPr lang="de-DE" smtClean="0"/>
-              <a:t>05.03.2018</a:t>
+              <a:t>06.03.2018</a:t>
             </a:fld>
             <a:endParaRPr lang="de-DE"/>
           </a:p>
@@ -3543,7 +3851,7 @@
           </a:lstStyle>
           <a:p>
             <a:r>
-              <a:rPr kumimoji="0" lang="de-DE" smtClean="0"/>
+              <a:rPr kumimoji="0" lang="de-DE"/>
               <a:t>Titelmasterformat durch Klicken bearbeiten</a:t>
             </a:r>
             <a:endParaRPr kumimoji="0" lang="en-US"/>
@@ -3611,7 +3919,7 @@
           </a:lstStyle>
           <a:p>
             <a:r>
-              <a:rPr kumimoji="0" lang="de-DE" smtClean="0"/>
+              <a:rPr kumimoji="0" lang="de-DE"/>
               <a:t>Bild durch Klicken auf Symbol hinzufügen</a:t>
             </a:r>
             <a:endParaRPr kumimoji="0" lang="en-US" dirty="0"/>
@@ -3666,7 +3974,7 @@
           <a:p>
             <a:pPr lvl="0" eaLnBrk="1" latinLnBrk="0" hangingPunct="1"/>
             <a:r>
-              <a:rPr kumimoji="0" lang="de-DE" smtClean="0"/>
+              <a:rPr kumimoji="0" lang="de-DE"/>
               <a:t>Textmasterformat bearbeiten</a:t>
             </a:r>
           </a:p>
@@ -3694,7 +4002,7 @@
           <a:p>
             <a:fld id="{DF25074F-A6D6-49FF-8C95-5739E129D9E5}" type="datetimeFigureOut">
               <a:rPr lang="de-DE" smtClean="0"/>
-              <a:t>05.03.2018</a:t>
+              <a:t>06.03.2018</a:t>
             </a:fld>
             <a:endParaRPr lang="de-DE"/>
           </a:p>
@@ -3994,7 +4302,7 @@
           <a:lstStyle/>
           <a:p>
             <a:r>
-              <a:rPr kumimoji="0" lang="de-DE" smtClean="0"/>
+              <a:rPr kumimoji="0" lang="de-DE"/>
               <a:t>Titelmasterformat durch Klicken bearbeiten</a:t>
             </a:r>
             <a:endParaRPr kumimoji="0" lang="en-US"/>
@@ -4028,35 +4336,35 @@
           <a:p>
             <a:pPr lvl="0" eaLnBrk="1" latinLnBrk="0" hangingPunct="1"/>
             <a:r>
-              <a:rPr kumimoji="0" lang="de-DE" smtClean="0"/>
+              <a:rPr kumimoji="0" lang="de-DE"/>
               <a:t>Textmasterformat bearbeiten</a:t>
             </a:r>
           </a:p>
           <a:p>
             <a:pPr lvl="1" eaLnBrk="1" latinLnBrk="0" hangingPunct="1"/>
             <a:r>
-              <a:rPr kumimoji="0" lang="de-DE" smtClean="0"/>
+              <a:rPr kumimoji="0" lang="de-DE"/>
               <a:t>Zweite Ebene</a:t>
             </a:r>
           </a:p>
           <a:p>
             <a:pPr lvl="2" eaLnBrk="1" latinLnBrk="0" hangingPunct="1"/>
             <a:r>
-              <a:rPr kumimoji="0" lang="de-DE" smtClean="0"/>
+              <a:rPr kumimoji="0" lang="de-DE"/>
               <a:t>Dritte Ebene</a:t>
             </a:r>
           </a:p>
           <a:p>
             <a:pPr lvl="3" eaLnBrk="1" latinLnBrk="0" hangingPunct="1"/>
             <a:r>
-              <a:rPr kumimoji="0" lang="de-DE" smtClean="0"/>
+              <a:rPr kumimoji="0" lang="de-DE"/>
               <a:t>Vierte Ebene</a:t>
             </a:r>
           </a:p>
           <a:p>
             <a:pPr lvl="4" eaLnBrk="1" latinLnBrk="0" hangingPunct="1"/>
             <a:r>
-              <a:rPr kumimoji="0" lang="de-DE" smtClean="0"/>
+              <a:rPr kumimoji="0" lang="de-DE"/>
               <a:t>Fünfte Ebene</a:t>
             </a:r>
             <a:endParaRPr kumimoji="0" lang="en-US"/>
@@ -4098,7 +4406,7 @@
           <a:p>
             <a:fld id="{DF25074F-A6D6-49FF-8C95-5739E129D9E5}" type="datetimeFigureOut">
               <a:rPr lang="de-DE" smtClean="0"/>
-              <a:t>05.03.2018</a:t>
+              <a:t>06.03.2018</a:t>
             </a:fld>
             <a:endParaRPr lang="de-DE"/>
           </a:p>
@@ -4514,14 +4822,13 @@
           <a:lstStyle/>
           <a:p>
             <a:r>
-              <a:rPr lang="de-DE" dirty="0" err="1" smtClean="0"/>
+              <a:rPr lang="de-DE" dirty="0" err="1"/>
               <a:t>KlaraOpp</a:t>
             </a:r>
             <a:r>
-              <a:rPr lang="de-DE" dirty="0" smtClean="0"/>
+              <a:rPr lang="de-DE" dirty="0"/>
               <a:t>-Quiz</a:t>
             </a:r>
-            <a:endParaRPr lang="de-DE" dirty="0"/>
           </a:p>
         </p:txBody>
       </p:sp>
@@ -4543,33 +4850,33 @@
           <a:lstStyle/>
           <a:p>
             <a:r>
-              <a:rPr lang="de-DE" dirty="0" smtClean="0"/>
+              <a:rPr lang="de-DE" dirty="0"/>
               <a:t>Gruppe C-132: </a:t>
             </a:r>
           </a:p>
           <a:p>
             <a:r>
-              <a:rPr lang="de-DE" dirty="0" smtClean="0"/>
+              <a:rPr lang="de-DE" dirty="0"/>
               <a:t>Adam </a:t>
             </a:r>
             <a:r>
-              <a:rPr lang="de-DE" dirty="0" err="1" smtClean="0"/>
+              <a:rPr lang="de-DE" dirty="0" err="1"/>
               <a:t>Domanski</a:t>
             </a:r>
             <a:r>
-              <a:rPr lang="de-DE" dirty="0" smtClean="0"/>
+              <a:rPr lang="de-DE" dirty="0"/>
               <a:t>, Kevin </a:t>
             </a:r>
             <a:r>
-              <a:rPr lang="de-DE" dirty="0" err="1" smtClean="0"/>
+              <a:rPr lang="de-DE" dirty="0" err="1"/>
               <a:t>Zilke</a:t>
             </a:r>
             <a:r>
-              <a:rPr lang="de-DE" dirty="0" smtClean="0"/>
+              <a:rPr lang="de-DE" dirty="0"/>
               <a:t>, Reinhold </a:t>
             </a:r>
             <a:r>
-              <a:rPr lang="de-DE" dirty="0" err="1" smtClean="0"/>
+              <a:rPr lang="de-DE" dirty="0" err="1"/>
               <a:t>Maschkiwitz</a:t>
             </a:r>
             <a:endParaRPr lang="de-DE" dirty="0"/>
@@ -4598,13 +4905,6 @@
       </p:transition>
     </mc:Fallback>
   </mc:AlternateContent>
-  <p:timing>
-    <p:tnLst>
-      <p:par>
-        <p:cTn id="1" dur="indefinite" restart="never" nodeType="tmRoot"/>
-      </p:par>
-    </p:tnLst>
-  </p:timing>
 </p:sld>
 </file>
 
@@ -4641,13 +4941,119 @@
           <a:lstStyle/>
           <a:p>
             <a:r>
-              <a:rPr lang="de-DE" dirty="0" smtClean="0"/>
+              <a:rPr lang="de-DE" dirty="0"/>
               <a:t>Datenbank</a:t>
             </a:r>
+          </a:p>
+        </p:txBody>
+      </p:sp>
+      <p:sp>
+        <p:nvSpPr>
+          <p:cNvPr id="3" name="Inhaltsplatzhalter 2"/>
+          <p:cNvSpPr>
+            <a:spLocks noGrp="1"/>
+          </p:cNvSpPr>
+          <p:nvPr>
+            <p:ph idx="1"/>
+          </p:nvPr>
+        </p:nvSpPr>
+        <p:spPr/>
+        <p:txBody>
+          <a:bodyPr/>
+          <a:lstStyle/>
+          <a:p>
+            <a:r>
+              <a:rPr lang="de-DE" dirty="0"/>
+              <a:t>Fragen</a:t>
+            </a:r>
+          </a:p>
+          <a:p>
             <a:endParaRPr lang="de-DE" dirty="0"/>
           </a:p>
         </p:txBody>
       </p:sp>
+      <p:pic>
+        <p:nvPicPr>
+          <p:cNvPr id="4" name="Grafik 3"/>
+          <p:cNvPicPr>
+            <a:picLocks noChangeAspect="1"/>
+          </p:cNvPicPr>
+          <p:nvPr/>
+        </p:nvPicPr>
+        <p:blipFill>
+          <a:blip r:embed="rId2">
+            <a:extLst>
+              <a:ext uri="{28A0092B-C50C-407E-A947-70E740481C1C}">
+                <a14:useLocalDpi xmlns:a14="http://schemas.microsoft.com/office/drawing/2010/main" val="0"/>
+              </a:ext>
+            </a:extLst>
+          </a:blip>
+          <a:stretch>
+            <a:fillRect/>
+          </a:stretch>
+        </p:blipFill>
+        <p:spPr>
+          <a:xfrm>
+            <a:off x="1056799" y="2524267"/>
+            <a:ext cx="7030403" cy="1809465"/>
+          </a:xfrm>
+          <a:prstGeom prst="rect">
+            <a:avLst/>
+          </a:prstGeom>
+        </p:spPr>
+      </p:pic>
+    </p:spTree>
+    <p:extLst>
+      <p:ext uri="{BB962C8B-B14F-4D97-AF65-F5344CB8AC3E}">
+        <p14:creationId xmlns:p14="http://schemas.microsoft.com/office/powerpoint/2010/main" val="379028492"/>
+      </p:ext>
+    </p:extLst>
+  </p:cSld>
+  <p:clrMapOvr>
+    <a:masterClrMapping/>
+  </p:clrMapOvr>
+</p:sld>
+</file>
+
+<file path=ppt/slides/slide11.xml><?xml version="1.0" encoding="utf-8"?>
+<p:sld xmlns:a="http://schemas.openxmlformats.org/drawingml/2006/main" xmlns:r="http://schemas.openxmlformats.org/officeDocument/2006/relationships" xmlns:p="http://schemas.openxmlformats.org/presentationml/2006/main">
+  <p:cSld>
+    <p:spTree>
+      <p:nvGrpSpPr>
+        <p:cNvPr id="1" name=""/>
+        <p:cNvGrpSpPr/>
+        <p:nvPr/>
+      </p:nvGrpSpPr>
+      <p:grpSpPr>
+        <a:xfrm>
+          <a:off x="0" y="0"/>
+          <a:ext cx="0" cy="0"/>
+          <a:chOff x="0" y="0"/>
+          <a:chExt cx="0" cy="0"/>
+        </a:xfrm>
+      </p:grpSpPr>
+      <p:sp>
+        <p:nvSpPr>
+          <p:cNvPr id="2" name="Titel 1"/>
+          <p:cNvSpPr>
+            <a:spLocks noGrp="1"/>
+          </p:cNvSpPr>
+          <p:nvPr>
+            <p:ph type="title"/>
+          </p:nvPr>
+        </p:nvSpPr>
+        <p:spPr/>
+        <p:txBody>
+          <a:bodyPr/>
+          <a:lstStyle/>
+          <a:p>
+            <a:r>
+              <a:rPr lang="de-DE" dirty="0"/>
+              <a:t>Datenbank</a:t>
+            </a:r>
+          </a:p>
+        </p:txBody>
+      </p:sp>
       <p:sp>
         <p:nvSpPr>
           <p:cNvPr id="3" name="Inhaltsplatzhalter 2"/>
@@ -4664,7 +5070,7 @@
           <a:lstStyle/>
           <a:p>
             <a:r>
-              <a:rPr lang="de-DE" dirty="0" smtClean="0"/>
+              <a:rPr lang="de-DE" dirty="0"/>
               <a:t>Antworten</a:t>
             </a:r>
           </a:p>
@@ -4713,17 +5119,10 @@
   <p:clrMapOvr>
     <a:masterClrMapping/>
   </p:clrMapOvr>
-  <p:timing>
-    <p:tnLst>
-      <p:par>
-        <p:cTn id="1" dur="indefinite" restart="never" nodeType="tmRoot"/>
-      </p:par>
-    </p:tnLst>
-  </p:timing>
 </p:sld>
 </file>
 
-<file path=ppt/slides/slide11.xml><?xml version="1.0" encoding="utf-8"?>
+<file path=ppt/slides/slide12.xml><?xml version="1.0" encoding="utf-8"?>
 <p:sld xmlns:a="http://schemas.openxmlformats.org/drawingml/2006/main" xmlns:r="http://schemas.openxmlformats.org/officeDocument/2006/relationships" xmlns:p="http://schemas.openxmlformats.org/presentationml/2006/main">
   <p:cSld>
     <p:spTree>
@@ -4756,10 +5155,9 @@
           <a:lstStyle/>
           <a:p>
             <a:r>
-              <a:rPr lang="de-DE" dirty="0" smtClean="0"/>
+              <a:rPr lang="de-DE" dirty="0"/>
               <a:t>Design</a:t>
             </a:r>
-            <a:endParaRPr lang="de-DE" dirty="0"/>
           </a:p>
         </p:txBody>
       </p:sp>
@@ -4779,7 +5177,7 @@
           <a:lstStyle/>
           <a:p>
             <a:r>
-              <a:rPr lang="de-DE" dirty="0" smtClean="0"/>
+              <a:rPr lang="de-DE" dirty="0"/>
               <a:t>Einbindung von Bootstrap</a:t>
             </a:r>
           </a:p>
@@ -4828,17 +5226,10 @@
   <p:clrMapOvr>
     <a:masterClrMapping/>
   </p:clrMapOvr>
-  <p:timing>
-    <p:tnLst>
-      <p:par>
-        <p:cTn id="1" dur="indefinite" restart="never" nodeType="tmRoot"/>
-      </p:par>
-    </p:tnLst>
-  </p:timing>
 </p:sld>
 </file>
 
-<file path=ppt/slides/slide12.xml><?xml version="1.0" encoding="utf-8"?>
+<file path=ppt/slides/slide13.xml><?xml version="1.0" encoding="utf-8"?>
 <p:sld xmlns:a="http://schemas.openxmlformats.org/drawingml/2006/main" xmlns:r="http://schemas.openxmlformats.org/officeDocument/2006/relationships" xmlns:p="http://schemas.openxmlformats.org/presentationml/2006/main">
   <p:cSld>
     <p:spTree>
@@ -4871,10 +5262,9 @@
           <a:lstStyle/>
           <a:p>
             <a:r>
-              <a:rPr lang="de-DE" dirty="0" smtClean="0"/>
+              <a:rPr lang="de-DE" dirty="0"/>
               <a:t>Design</a:t>
             </a:r>
-            <a:endParaRPr lang="de-DE" dirty="0"/>
           </a:p>
         </p:txBody>
       </p:sp>
@@ -4894,7 +5284,7 @@
           <a:lstStyle/>
           <a:p>
             <a:r>
-              <a:rPr lang="de-DE" dirty="0" smtClean="0"/>
+              <a:rPr lang="de-DE" dirty="0"/>
               <a:t>JavaScript</a:t>
             </a:r>
           </a:p>
@@ -4943,17 +5333,10 @@
   <p:clrMapOvr>
     <a:masterClrMapping/>
   </p:clrMapOvr>
-  <p:timing>
-    <p:tnLst>
-      <p:par>
-        <p:cTn id="1" dur="indefinite" restart="never" nodeType="tmRoot"/>
-      </p:par>
-    </p:tnLst>
-  </p:timing>
 </p:sld>
 </file>
 
-<file path=ppt/slides/slide13.xml><?xml version="1.0" encoding="utf-8"?>
+<file path=ppt/slides/slide14.xml><?xml version="1.0" encoding="utf-8"?>
 <p:sld xmlns:a="http://schemas.openxmlformats.org/drawingml/2006/main" xmlns:r="http://schemas.openxmlformats.org/officeDocument/2006/relationships" xmlns:p="http://schemas.openxmlformats.org/presentationml/2006/main">
   <p:cSld>
     <p:spTree>
@@ -4992,10 +5375,9 @@
           <a:p>
             <a:pPr algn="ctr"/>
             <a:r>
-              <a:rPr lang="de-DE" dirty="0" smtClean="0"/>
+              <a:rPr lang="de-DE" dirty="0"/>
               <a:t>Fazit</a:t>
             </a:r>
-            <a:endParaRPr lang="de-DE" dirty="0"/>
           </a:p>
         </p:txBody>
       </p:sp>
@@ -5009,13 +5391,6 @@
   <p:clrMapOvr>
     <a:masterClrMapping/>
   </p:clrMapOvr>
-  <p:timing>
-    <p:tnLst>
-      <p:par>
-        <p:cTn id="1" dur="indefinite" restart="never" nodeType="tmRoot"/>
-      </p:par>
-    </p:tnLst>
-  </p:timing>
 </p:sld>
 </file>
 
@@ -5038,6 +5413,114 @@
       </p:grpSpPr>
       <p:sp>
         <p:nvSpPr>
+          <p:cNvPr id="2" name="Titel 1">
+            <a:extLst>
+              <a:ext uri="{FF2B5EF4-FFF2-40B4-BE49-F238E27FC236}">
+                <a16:creationId xmlns:a16="http://schemas.microsoft.com/office/drawing/2014/main" id="{E9E9D9A5-146E-4ECF-AB2D-6D854ED3D3BD}"/>
+              </a:ext>
+            </a:extLst>
+          </p:cNvPr>
+          <p:cNvSpPr>
+            <a:spLocks noGrp="1"/>
+          </p:cNvSpPr>
+          <p:nvPr>
+            <p:ph type="title"/>
+          </p:nvPr>
+        </p:nvSpPr>
+        <p:spPr/>
+        <p:txBody>
+          <a:bodyPr/>
+          <a:lstStyle/>
+          <a:p>
+            <a:r>
+              <a:rPr lang="de-DE" dirty="0" err="1"/>
+              <a:t>KlaraOpp</a:t>
+            </a:r>
+            <a:r>
+              <a:rPr lang="de-DE" dirty="0"/>
+              <a:t>-Quiz</a:t>
+            </a:r>
+          </a:p>
+        </p:txBody>
+      </p:sp>
+      <p:sp>
+        <p:nvSpPr>
+          <p:cNvPr id="3" name="Inhaltsplatzhalter 2">
+            <a:extLst>
+              <a:ext uri="{FF2B5EF4-FFF2-40B4-BE49-F238E27FC236}">
+                <a16:creationId xmlns:a16="http://schemas.microsoft.com/office/drawing/2014/main" id="{FECB8F77-50D0-4574-92C1-D37AC6A8427D}"/>
+              </a:ext>
+            </a:extLst>
+          </p:cNvPr>
+          <p:cNvSpPr>
+            <a:spLocks noGrp="1"/>
+          </p:cNvSpPr>
+          <p:nvPr>
+            <p:ph idx="1"/>
+          </p:nvPr>
+        </p:nvSpPr>
+        <p:spPr/>
+        <p:txBody>
+          <a:bodyPr/>
+          <a:lstStyle/>
+          <a:p>
+            <a:r>
+              <a:rPr lang="de-DE" dirty="0"/>
+              <a:t>Projektrahmen</a:t>
+            </a:r>
+          </a:p>
+          <a:p>
+            <a:r>
+              <a:rPr lang="de-DE" dirty="0"/>
+              <a:t>Projektplanung</a:t>
+            </a:r>
+          </a:p>
+          <a:p>
+            <a:r>
+              <a:rPr lang="de-DE" dirty="0"/>
+              <a:t>Implementierung</a:t>
+            </a:r>
+          </a:p>
+          <a:p>
+            <a:r>
+              <a:rPr lang="de-DE" dirty="0"/>
+              <a:t>Fazit</a:t>
+            </a:r>
+          </a:p>
+        </p:txBody>
+      </p:sp>
+    </p:spTree>
+    <p:extLst>
+      <p:ext uri="{BB962C8B-B14F-4D97-AF65-F5344CB8AC3E}">
+        <p14:creationId xmlns:p14="http://schemas.microsoft.com/office/powerpoint/2010/main" val="1771850141"/>
+      </p:ext>
+    </p:extLst>
+  </p:cSld>
+  <p:clrMapOvr>
+    <a:masterClrMapping/>
+  </p:clrMapOvr>
+</p:sld>
+</file>
+
+<file path=ppt/slides/slide3.xml><?xml version="1.0" encoding="utf-8"?>
+<p:sld xmlns:a="http://schemas.openxmlformats.org/drawingml/2006/main" xmlns:r="http://schemas.openxmlformats.org/officeDocument/2006/relationships" xmlns:p="http://schemas.openxmlformats.org/presentationml/2006/main">
+  <p:cSld>
+    <p:spTree>
+      <p:nvGrpSpPr>
+        <p:cNvPr id="1" name=""/>
+        <p:cNvGrpSpPr/>
+        <p:nvPr/>
+      </p:nvGrpSpPr>
+      <p:grpSpPr>
+        <a:xfrm>
+          <a:off x="0" y="0"/>
+          <a:ext cx="0" cy="0"/>
+          <a:chOff x="0" y="0"/>
+          <a:chExt cx="0" cy="0"/>
+        </a:xfrm>
+      </p:grpSpPr>
+      <p:sp>
+        <p:nvSpPr>
           <p:cNvPr id="2" name="Titel 1"/>
           <p:cNvSpPr>
             <a:spLocks noGrp="1"/>
@@ -5052,10 +5535,9 @@
           <a:lstStyle/>
           <a:p>
             <a:r>
-              <a:rPr lang="de-DE" dirty="0" smtClean="0"/>
+              <a:rPr lang="de-DE" dirty="0"/>
               <a:t>Projektrahmen</a:t>
             </a:r>
-            <a:endParaRPr lang="de-DE" dirty="0"/>
           </a:p>
         </p:txBody>
       </p:sp>
@@ -5075,44 +5557,35 @@
           <a:lstStyle/>
           <a:p>
             <a:r>
-              <a:rPr lang="de-DE" dirty="0" smtClean="0"/>
+              <a:rPr lang="de-DE" dirty="0"/>
               <a:t>Auftraggeberin: Frau Söllner</a:t>
             </a:r>
           </a:p>
           <a:p>
             <a:r>
-              <a:rPr lang="de-DE" dirty="0" smtClean="0"/>
+              <a:rPr lang="de-DE" dirty="0"/>
               <a:t>Vorlage: </a:t>
             </a:r>
             <a:r>
-              <a:rPr lang="de-DE" dirty="0" err="1" smtClean="0"/>
+              <a:rPr lang="de-DE" dirty="0" err="1"/>
               <a:t>Kahoot</a:t>
             </a:r>
             <a:r>
-              <a:rPr lang="de-DE" dirty="0" smtClean="0"/>
+              <a:rPr lang="de-DE" dirty="0"/>
               <a:t>!</a:t>
             </a:r>
           </a:p>
           <a:p>
             <a:r>
-              <a:rPr lang="de-DE" dirty="0" smtClean="0"/>
-              <a:t>Nachbau als </a:t>
-            </a:r>
-            <a:r>
               <a:rPr lang="de-DE" dirty="0"/>
-              <a:t>Lernspiel</a:t>
-            </a:r>
-            <a:r>
-              <a:rPr lang="de-DE" dirty="0" smtClean="0"/>
-              <a:t> für den Schulunterricht</a:t>
-            </a:r>
-          </a:p>
-          <a:p>
-            <a:r>
-              <a:rPr lang="de-DE" dirty="0" smtClean="0"/>
+              <a:t>Nachbau als Lernspiel für den Schulunterricht</a:t>
+            </a:r>
+          </a:p>
+          <a:p>
+            <a:r>
+              <a:rPr lang="de-DE" dirty="0"/>
               <a:t>Neues Projekt – keine Vorarbeit</a:t>
             </a:r>
-            <a:endParaRPr lang="de-DE" dirty="0"/>
           </a:p>
         </p:txBody>
       </p:sp>
@@ -5318,7 +5791,7 @@
 </p:sld>
 </file>
 
-<file path=ppt/slides/slide3.xml><?xml version="1.0" encoding="utf-8"?>
+<file path=ppt/slides/slide4.xml><?xml version="1.0" encoding="utf-8"?>
 <p:sld xmlns:a="http://schemas.openxmlformats.org/drawingml/2006/main" xmlns:r="http://schemas.openxmlformats.org/officeDocument/2006/relationships" xmlns:p="http://schemas.openxmlformats.org/presentationml/2006/main">
   <p:cSld>
     <p:spTree>
@@ -5351,10 +5824,9 @@
           <a:lstStyle/>
           <a:p>
             <a:r>
-              <a:rPr lang="de-DE" dirty="0" smtClean="0"/>
+              <a:rPr lang="de-DE" dirty="0"/>
               <a:t>Projektplanung</a:t>
             </a:r>
-            <a:endParaRPr lang="de-DE" dirty="0"/>
           </a:p>
         </p:txBody>
       </p:sp>
@@ -5374,48 +5846,48 @@
           <a:lstStyle/>
           <a:p>
             <a:r>
-              <a:rPr lang="de-DE" dirty="0" smtClean="0"/>
+              <a:rPr lang="de-DE" dirty="0"/>
               <a:t>Anforderungsanalyse: </a:t>
             </a:r>
           </a:p>
           <a:p>
             <a:pPr lvl="1"/>
             <a:r>
-              <a:rPr lang="de-DE" dirty="0" smtClean="0"/>
+              <a:rPr lang="de-DE" dirty="0"/>
               <a:t>Beobachtung</a:t>
             </a:r>
           </a:p>
           <a:p>
             <a:pPr lvl="1"/>
             <a:r>
-              <a:rPr lang="de-DE" dirty="0" smtClean="0"/>
+              <a:rPr lang="de-DE" dirty="0"/>
               <a:t>Interviews</a:t>
             </a:r>
           </a:p>
           <a:p>
             <a:r>
-              <a:rPr lang="de-DE" dirty="0" smtClean="0"/>
+              <a:rPr lang="de-DE" dirty="0"/>
               <a:t>Datenschutz:</a:t>
             </a:r>
           </a:p>
           <a:p>
             <a:pPr lvl="1"/>
             <a:r>
-              <a:rPr lang="de-DE" dirty="0" smtClean="0"/>
+              <a:rPr lang="de-DE" dirty="0"/>
               <a:t>Beschränkter Zugriff (Accounts)</a:t>
             </a:r>
           </a:p>
           <a:p>
             <a:pPr lvl="1"/>
             <a:r>
-              <a:rPr lang="de-DE" dirty="0" smtClean="0"/>
+              <a:rPr lang="de-DE" dirty="0"/>
               <a:t>Frei wählbare Nicknamen</a:t>
             </a:r>
           </a:p>
           <a:p>
             <a:pPr lvl="1"/>
             <a:r>
-              <a:rPr lang="de-DE" dirty="0" smtClean="0"/>
+              <a:rPr lang="de-DE" dirty="0"/>
               <a:t>Keine Speicherung von IPs / Namen / Punkten</a:t>
             </a:r>
           </a:p>
@@ -5774,119 +6246,6 @@
 </p:sld>
 </file>
 
-<file path=ppt/slides/slide4.xml><?xml version="1.0" encoding="utf-8"?>
-<p:sld xmlns:a="http://schemas.openxmlformats.org/drawingml/2006/main" xmlns:r="http://schemas.openxmlformats.org/officeDocument/2006/relationships" xmlns:p="http://schemas.openxmlformats.org/presentationml/2006/main">
-  <p:cSld>
-    <p:spTree>
-      <p:nvGrpSpPr>
-        <p:cNvPr id="1" name=""/>
-        <p:cNvGrpSpPr/>
-        <p:nvPr/>
-      </p:nvGrpSpPr>
-      <p:grpSpPr>
-        <a:xfrm>
-          <a:off x="0" y="0"/>
-          <a:ext cx="0" cy="0"/>
-          <a:chOff x="0" y="0"/>
-          <a:chExt cx="0" cy="0"/>
-        </a:xfrm>
-      </p:grpSpPr>
-      <p:sp>
-        <p:nvSpPr>
-          <p:cNvPr id="2" name="Titel 1"/>
-          <p:cNvSpPr>
-            <a:spLocks noGrp="1"/>
-          </p:cNvSpPr>
-          <p:nvPr>
-            <p:ph type="title"/>
-          </p:nvPr>
-        </p:nvSpPr>
-        <p:spPr/>
-        <p:txBody>
-          <a:bodyPr/>
-          <a:lstStyle/>
-          <a:p>
-            <a:r>
-              <a:rPr lang="de-DE" dirty="0" smtClean="0"/>
-              <a:t>Projektplanung</a:t>
-            </a:r>
-            <a:endParaRPr lang="de-DE" dirty="0"/>
-          </a:p>
-        </p:txBody>
-      </p:sp>
-      <p:sp>
-        <p:nvSpPr>
-          <p:cNvPr id="3" name="Inhaltsplatzhalter 2"/>
-          <p:cNvSpPr>
-            <a:spLocks noGrp="1"/>
-          </p:cNvSpPr>
-          <p:nvPr>
-            <p:ph idx="1"/>
-          </p:nvPr>
-        </p:nvSpPr>
-        <p:spPr/>
-        <p:txBody>
-          <a:bodyPr/>
-          <a:lstStyle/>
-          <a:p>
-            <a:pPr marL="420624" lvl="1" indent="-384048">
-              <a:buSzPct val="80000"/>
-              <a:buFont typeface="Wingdings 2"/>
-              <a:buChar char=""/>
-            </a:pPr>
-            <a:r>
-              <a:rPr lang="de-DE" sz="3000" dirty="0" smtClean="0"/>
-              <a:t>Anwendungsfalldiagramm</a:t>
-            </a:r>
-            <a:endParaRPr lang="de-DE" sz="3000" dirty="0" smtClean="0"/>
-          </a:p>
-          <a:p>
-            <a:r>
-              <a:rPr lang="de-DE" dirty="0" smtClean="0"/>
-              <a:t>Anwendungsfall </a:t>
-            </a:r>
-            <a:r>
-              <a:rPr lang="de-DE" dirty="0" smtClean="0"/>
-              <a:t>- Durchführung eines Quiz</a:t>
-            </a:r>
-          </a:p>
-          <a:p>
-            <a:pPr lvl="1"/>
-            <a:r>
-              <a:rPr lang="de-DE" dirty="0" smtClean="0"/>
-              <a:t>Aktivitätsdiagramm</a:t>
-            </a:r>
-          </a:p>
-          <a:p>
-            <a:pPr lvl="1"/>
-            <a:r>
-              <a:rPr lang="de-DE" dirty="0" smtClean="0"/>
-              <a:t>Zustandsdiagramm</a:t>
-            </a:r>
-            <a:endParaRPr lang="de-DE" dirty="0"/>
-          </a:p>
-        </p:txBody>
-      </p:sp>
-    </p:spTree>
-    <p:extLst>
-      <p:ext uri="{BB962C8B-B14F-4D97-AF65-F5344CB8AC3E}">
-        <p14:creationId xmlns:p14="http://schemas.microsoft.com/office/powerpoint/2010/main" val="3592922412"/>
-      </p:ext>
-    </p:extLst>
-  </p:cSld>
-  <p:clrMapOvr>
-    <a:masterClrMapping/>
-  </p:clrMapOvr>
-  <p:timing>
-    <p:tnLst>
-      <p:par>
-        <p:cTn id="1" dur="indefinite" restart="never" nodeType="tmRoot"/>
-      </p:par>
-    </p:tnLst>
-  </p:timing>
-</p:sld>
-</file>
-
 <file path=ppt/slides/slide5.xml><?xml version="1.0" encoding="utf-8"?>
 <p:sld xmlns:a="http://schemas.openxmlformats.org/drawingml/2006/main" xmlns:r="http://schemas.openxmlformats.org/officeDocument/2006/relationships" xmlns:p="http://schemas.openxmlformats.org/presentationml/2006/main">
   <p:cSld>
@@ -5920,10 +6279,9 @@
           <a:lstStyle/>
           <a:p>
             <a:r>
-              <a:rPr lang="de-DE" dirty="0" smtClean="0"/>
-              <a:t>Durchführung</a:t>
-            </a:r>
-            <a:endParaRPr lang="de-DE" dirty="0"/>
+              <a:rPr lang="de-DE" dirty="0"/>
+              <a:t>Projektplanung</a:t>
+            </a:r>
           </a:p>
         </p:txBody>
       </p:sp>
@@ -5942,43 +6300,48 @@
           <a:bodyPr/>
           <a:lstStyle/>
           <a:p>
-            <a:r>
-              <a:rPr lang="de-DE" dirty="0" smtClean="0"/>
-              <a:t>HTML mit CSS</a:t>
-            </a:r>
-          </a:p>
-          <a:p>
-            <a:r>
-              <a:rPr lang="de-DE" dirty="0" smtClean="0"/>
-              <a:t>PHP</a:t>
-            </a:r>
-          </a:p>
-          <a:p>
-            <a:r>
-              <a:rPr lang="de-DE" dirty="0" smtClean="0"/>
-              <a:t>JavaScript</a:t>
-            </a:r>
-            <a:endParaRPr lang="de-DE" dirty="0"/>
+            <a:pPr marL="420624" lvl="1" indent="-384048">
+              <a:buSzPct val="80000"/>
+              <a:buFont typeface="Wingdings 2"/>
+              <a:buChar char=""/>
+            </a:pPr>
+            <a:r>
+              <a:rPr lang="de-DE" sz="3000" dirty="0"/>
+              <a:t>Anwendungsfalldiagramm</a:t>
+            </a:r>
+          </a:p>
+          <a:p>
+            <a:r>
+              <a:rPr lang="de-DE" dirty="0"/>
+              <a:t>Anwendungsfall - Durchführung eines Quiz</a:t>
+            </a:r>
+          </a:p>
+          <a:p>
+            <a:pPr lvl="1"/>
+            <a:r>
+              <a:rPr lang="de-DE" dirty="0"/>
+              <a:t>Aktivitätsdiagramm</a:t>
+            </a:r>
+          </a:p>
+          <a:p>
+            <a:pPr lvl="1"/>
+            <a:r>
+              <a:rPr lang="de-DE" dirty="0"/>
+              <a:t>Zustandsdiagramm</a:t>
+            </a:r>
           </a:p>
         </p:txBody>
       </p:sp>
     </p:spTree>
     <p:extLst>
       <p:ext uri="{BB962C8B-B14F-4D97-AF65-F5344CB8AC3E}">
-        <p14:creationId xmlns:p14="http://schemas.microsoft.com/office/powerpoint/2010/main" val="2448482"/>
+        <p14:creationId xmlns:p14="http://schemas.microsoft.com/office/powerpoint/2010/main" val="3592922412"/>
       </p:ext>
     </p:extLst>
   </p:cSld>
   <p:clrMapOvr>
     <a:masterClrMapping/>
   </p:clrMapOvr>
-  <p:timing>
-    <p:tnLst>
-      <p:par>
-        <p:cTn id="1" dur="indefinite" restart="never" nodeType="tmRoot"/>
-      </p:par>
-    </p:tnLst>
-  </p:timing>
 </p:sld>
 </file>
 
@@ -6015,10 +6378,9 @@
           <a:lstStyle/>
           <a:p>
             <a:r>
-              <a:rPr lang="de-DE" dirty="0" smtClean="0"/>
-              <a:t>Datenbank</a:t>
-            </a:r>
-            <a:endParaRPr lang="de-DE" dirty="0"/>
+              <a:rPr lang="de-DE" dirty="0"/>
+              <a:t>Implementierung</a:t>
+            </a:r>
           </a:p>
         </p:txBody>
       </p:sp>
@@ -6038,48 +6400,40 @@
           <a:lstStyle/>
           <a:p>
             <a:r>
-              <a:rPr lang="de-DE" dirty="0" smtClean="0"/>
-              <a:t>Accounts</a:t>
-            </a:r>
-          </a:p>
-          <a:p>
-            <a:r>
-              <a:rPr lang="de-DE" dirty="0" smtClean="0"/>
-              <a:t>Fragenkataloge</a:t>
-            </a:r>
-          </a:p>
-          <a:p>
-            <a:r>
-              <a:rPr lang="de-DE" dirty="0" smtClean="0"/>
-              <a:t>Fragen</a:t>
-            </a:r>
-          </a:p>
-          <a:p>
-            <a:r>
-              <a:rPr lang="de-DE" dirty="0" smtClean="0"/>
-              <a:t>Antworten</a:t>
-            </a:r>
-            <a:endParaRPr lang="de-DE" dirty="0"/>
+              <a:rPr lang="de-DE" dirty="0"/>
+              <a:t>HTML mit CSS</a:t>
+            </a:r>
+          </a:p>
+          <a:p>
+            <a:r>
+              <a:rPr lang="de-DE" dirty="0"/>
+              <a:t>Bootstrap</a:t>
+            </a:r>
+          </a:p>
+          <a:p>
+            <a:r>
+              <a:rPr lang="de-DE" dirty="0"/>
+              <a:t>PHP</a:t>
+            </a:r>
+          </a:p>
+          <a:p>
+            <a:r>
+              <a:rPr lang="de-DE" dirty="0"/>
+              <a:t>JavaScript</a:t>
+            </a:r>
           </a:p>
         </p:txBody>
       </p:sp>
     </p:spTree>
     <p:extLst>
       <p:ext uri="{BB962C8B-B14F-4D97-AF65-F5344CB8AC3E}">
-        <p14:creationId xmlns:p14="http://schemas.microsoft.com/office/powerpoint/2010/main" val="2798297838"/>
+        <p14:creationId xmlns:p14="http://schemas.microsoft.com/office/powerpoint/2010/main" val="2448482"/>
       </p:ext>
     </p:extLst>
   </p:cSld>
   <p:clrMapOvr>
     <a:masterClrMapping/>
   </p:clrMapOvr>
-  <p:timing>
-    <p:tnLst>
-      <p:par>
-        <p:cTn id="1" dur="indefinite" restart="never" nodeType="tmRoot"/>
-      </p:par>
-    </p:tnLst>
-  </p:timing>
 </p:sld>
 </file>
 
@@ -6116,35 +6470,126 @@
           <a:lstStyle/>
           <a:p>
             <a:r>
-              <a:rPr lang="de-DE" dirty="0" smtClean="0"/>
+              <a:rPr lang="de-DE" dirty="0"/>
+              <a:t>Datenbank / Objekte</a:t>
+            </a:r>
+          </a:p>
+        </p:txBody>
+      </p:sp>
+      <p:sp>
+        <p:nvSpPr>
+          <p:cNvPr id="3" name="Inhaltsplatzhalter 2"/>
+          <p:cNvSpPr>
+            <a:spLocks noGrp="1"/>
+          </p:cNvSpPr>
+          <p:nvPr>
+            <p:ph idx="1"/>
+          </p:nvPr>
+        </p:nvSpPr>
+        <p:spPr/>
+        <p:txBody>
+          <a:bodyPr/>
+          <a:lstStyle/>
+          <a:p>
+            <a:r>
+              <a:rPr lang="de-DE" dirty="0"/>
+              <a:t>Accounts</a:t>
+            </a:r>
+          </a:p>
+          <a:p>
+            <a:r>
+              <a:rPr lang="de-DE" dirty="0"/>
+              <a:t>Fragenkataloge</a:t>
+            </a:r>
+          </a:p>
+          <a:p>
+            <a:r>
+              <a:rPr lang="de-DE" dirty="0"/>
+              <a:t>Fragen</a:t>
+            </a:r>
+          </a:p>
+          <a:p>
+            <a:r>
+              <a:rPr lang="de-DE" dirty="0"/>
+              <a:t>Antworten</a:t>
+            </a:r>
+          </a:p>
+        </p:txBody>
+      </p:sp>
+    </p:spTree>
+    <p:extLst>
+      <p:ext uri="{BB962C8B-B14F-4D97-AF65-F5344CB8AC3E}">
+        <p14:creationId xmlns:p14="http://schemas.microsoft.com/office/powerpoint/2010/main" val="2798297838"/>
+      </p:ext>
+    </p:extLst>
+  </p:cSld>
+  <p:clrMapOvr>
+    <a:masterClrMapping/>
+  </p:clrMapOvr>
+</p:sld>
+</file>
+
+<file path=ppt/slides/slide8.xml><?xml version="1.0" encoding="utf-8"?>
+<p:sld xmlns:a="http://schemas.openxmlformats.org/drawingml/2006/main" xmlns:r="http://schemas.openxmlformats.org/officeDocument/2006/relationships" xmlns:p="http://schemas.openxmlformats.org/presentationml/2006/main">
+  <p:cSld>
+    <p:spTree>
+      <p:nvGrpSpPr>
+        <p:cNvPr id="1" name=""/>
+        <p:cNvGrpSpPr/>
+        <p:nvPr/>
+      </p:nvGrpSpPr>
+      <p:grpSpPr>
+        <a:xfrm>
+          <a:off x="0" y="0"/>
+          <a:ext cx="0" cy="0"/>
+          <a:chOff x="0" y="0"/>
+          <a:chExt cx="0" cy="0"/>
+        </a:xfrm>
+      </p:grpSpPr>
+      <p:sp>
+        <p:nvSpPr>
+          <p:cNvPr id="2" name="Titel 1"/>
+          <p:cNvSpPr>
+            <a:spLocks noGrp="1"/>
+          </p:cNvSpPr>
+          <p:nvPr>
+            <p:ph type="title"/>
+          </p:nvPr>
+        </p:nvSpPr>
+        <p:spPr/>
+        <p:txBody>
+          <a:bodyPr/>
+          <a:lstStyle/>
+          <a:p>
+            <a:r>
+              <a:rPr lang="de-DE" dirty="0"/>
               <a:t>Datenbank</a:t>
             </a:r>
+          </a:p>
+        </p:txBody>
+      </p:sp>
+      <p:sp>
+        <p:nvSpPr>
+          <p:cNvPr id="3" name="Inhaltsplatzhalter 2"/>
+          <p:cNvSpPr>
+            <a:spLocks noGrp="1"/>
+          </p:cNvSpPr>
+          <p:nvPr>
+            <p:ph idx="1"/>
+          </p:nvPr>
+        </p:nvSpPr>
+        <p:spPr/>
+        <p:txBody>
+          <a:bodyPr/>
+          <a:lstStyle/>
+          <a:p>
+            <a:r>
+              <a:rPr lang="de-DE" dirty="0"/>
+              <a:t>Accounts</a:t>
+            </a:r>
+          </a:p>
+          <a:p>
             <a:endParaRPr lang="de-DE" dirty="0"/>
-          </a:p>
-        </p:txBody>
-      </p:sp>
-      <p:sp>
-        <p:nvSpPr>
-          <p:cNvPr id="3" name="Inhaltsplatzhalter 2"/>
-          <p:cNvSpPr>
-            <a:spLocks noGrp="1"/>
-          </p:cNvSpPr>
-          <p:nvPr>
-            <p:ph idx="1"/>
-          </p:nvPr>
-        </p:nvSpPr>
-        <p:spPr/>
-        <p:txBody>
-          <a:bodyPr/>
-          <a:lstStyle/>
-          <a:p>
-            <a:r>
-              <a:rPr lang="de-DE" dirty="0" smtClean="0"/>
-              <a:t>Accounts</a:t>
-            </a:r>
-          </a:p>
-          <a:p>
-            <a:endParaRPr lang="de-DE" dirty="0" smtClean="0"/>
           </a:p>
         </p:txBody>
       </p:sp>
@@ -6157,7 +6602,7 @@
           <p:nvPr/>
         </p:nvPicPr>
         <p:blipFill>
-          <a:blip r:embed="rId2">
+          <a:blip r:embed="rId3">
             <a:extLst>
               <a:ext uri="{28A0092B-C50C-407E-A947-70E740481C1C}">
                 <a14:useLocalDpi xmlns:a14="http://schemas.microsoft.com/office/drawing/2010/main" val="0"/>
@@ -6188,17 +6633,10 @@
   <p:clrMapOvr>
     <a:masterClrMapping/>
   </p:clrMapOvr>
-  <p:timing>
-    <p:tnLst>
-      <p:par>
-        <p:cTn id="1" dur="indefinite" restart="never" nodeType="tmRoot"/>
-      </p:par>
-    </p:tnLst>
-  </p:timing>
 </p:sld>
 </file>
 
-<file path=ppt/slides/slide8.xml><?xml version="1.0" encoding="utf-8"?>
+<file path=ppt/slides/slide9.xml><?xml version="1.0" encoding="utf-8"?>
 <p:sld xmlns:a="http://schemas.openxmlformats.org/drawingml/2006/main" xmlns:r="http://schemas.openxmlformats.org/officeDocument/2006/relationships" xmlns:p="http://schemas.openxmlformats.org/presentationml/2006/main">
   <p:cSld>
     <p:spTree>
@@ -6231,35 +6669,34 @@
           <a:lstStyle/>
           <a:p>
             <a:r>
-              <a:rPr lang="de-DE" dirty="0" smtClean="0"/>
+              <a:rPr lang="de-DE" dirty="0"/>
               <a:t>Datenbank</a:t>
             </a:r>
+          </a:p>
+        </p:txBody>
+      </p:sp>
+      <p:sp>
+        <p:nvSpPr>
+          <p:cNvPr id="3" name="Inhaltsplatzhalter 2"/>
+          <p:cNvSpPr>
+            <a:spLocks noGrp="1"/>
+          </p:cNvSpPr>
+          <p:nvPr>
+            <p:ph idx="1"/>
+          </p:nvPr>
+        </p:nvSpPr>
+        <p:spPr/>
+        <p:txBody>
+          <a:bodyPr/>
+          <a:lstStyle/>
+          <a:p>
+            <a:r>
+              <a:rPr lang="de-DE" dirty="0"/>
+              <a:t>Fragenkataloge</a:t>
+            </a:r>
+          </a:p>
+          <a:p>
             <a:endParaRPr lang="de-DE" dirty="0"/>
-          </a:p>
-        </p:txBody>
-      </p:sp>
-      <p:sp>
-        <p:nvSpPr>
-          <p:cNvPr id="3" name="Inhaltsplatzhalter 2"/>
-          <p:cNvSpPr>
-            <a:spLocks noGrp="1"/>
-          </p:cNvSpPr>
-          <p:nvPr>
-            <p:ph idx="1"/>
-          </p:nvPr>
-        </p:nvSpPr>
-        <p:spPr/>
-        <p:txBody>
-          <a:bodyPr/>
-          <a:lstStyle/>
-          <a:p>
-            <a:r>
-              <a:rPr lang="de-DE" dirty="0" smtClean="0"/>
-              <a:t>Fragenkataloge</a:t>
-            </a:r>
-          </a:p>
-          <a:p>
-            <a:endParaRPr lang="de-DE" dirty="0" smtClean="0"/>
           </a:p>
         </p:txBody>
       </p:sp>
@@ -6303,128 +6740,6 @@
   <p:clrMapOvr>
     <a:masterClrMapping/>
   </p:clrMapOvr>
-  <p:timing>
-    <p:tnLst>
-      <p:par>
-        <p:cTn id="1" dur="indefinite" restart="never" nodeType="tmRoot"/>
-      </p:par>
-    </p:tnLst>
-  </p:timing>
-</p:sld>
-</file>
-
-<file path=ppt/slides/slide9.xml><?xml version="1.0" encoding="utf-8"?>
-<p:sld xmlns:a="http://schemas.openxmlformats.org/drawingml/2006/main" xmlns:r="http://schemas.openxmlformats.org/officeDocument/2006/relationships" xmlns:p="http://schemas.openxmlformats.org/presentationml/2006/main">
-  <p:cSld>
-    <p:spTree>
-      <p:nvGrpSpPr>
-        <p:cNvPr id="1" name=""/>
-        <p:cNvGrpSpPr/>
-        <p:nvPr/>
-      </p:nvGrpSpPr>
-      <p:grpSpPr>
-        <a:xfrm>
-          <a:off x="0" y="0"/>
-          <a:ext cx="0" cy="0"/>
-          <a:chOff x="0" y="0"/>
-          <a:chExt cx="0" cy="0"/>
-        </a:xfrm>
-      </p:grpSpPr>
-      <p:sp>
-        <p:nvSpPr>
-          <p:cNvPr id="2" name="Titel 1"/>
-          <p:cNvSpPr>
-            <a:spLocks noGrp="1"/>
-          </p:cNvSpPr>
-          <p:nvPr>
-            <p:ph type="title"/>
-          </p:nvPr>
-        </p:nvSpPr>
-        <p:spPr/>
-        <p:txBody>
-          <a:bodyPr/>
-          <a:lstStyle/>
-          <a:p>
-            <a:r>
-              <a:rPr lang="de-DE" dirty="0" smtClean="0"/>
-              <a:t>Datenbank</a:t>
-            </a:r>
-            <a:endParaRPr lang="de-DE" dirty="0"/>
-          </a:p>
-        </p:txBody>
-      </p:sp>
-      <p:sp>
-        <p:nvSpPr>
-          <p:cNvPr id="3" name="Inhaltsplatzhalter 2"/>
-          <p:cNvSpPr>
-            <a:spLocks noGrp="1"/>
-          </p:cNvSpPr>
-          <p:nvPr>
-            <p:ph idx="1"/>
-          </p:nvPr>
-        </p:nvSpPr>
-        <p:spPr/>
-        <p:txBody>
-          <a:bodyPr/>
-          <a:lstStyle/>
-          <a:p>
-            <a:r>
-              <a:rPr lang="de-DE" dirty="0" smtClean="0"/>
-              <a:t>Fragen</a:t>
-            </a:r>
-          </a:p>
-          <a:p>
-            <a:endParaRPr lang="de-DE" dirty="0" smtClean="0"/>
-          </a:p>
-        </p:txBody>
-      </p:sp>
-      <p:pic>
-        <p:nvPicPr>
-          <p:cNvPr id="4" name="Grafik 3"/>
-          <p:cNvPicPr>
-            <a:picLocks noChangeAspect="1"/>
-          </p:cNvPicPr>
-          <p:nvPr/>
-        </p:nvPicPr>
-        <p:blipFill>
-          <a:blip r:embed="rId2">
-            <a:extLst>
-              <a:ext uri="{28A0092B-C50C-407E-A947-70E740481C1C}">
-                <a14:useLocalDpi xmlns:a14="http://schemas.microsoft.com/office/drawing/2010/main" val="0"/>
-              </a:ext>
-            </a:extLst>
-          </a:blip>
-          <a:stretch>
-            <a:fillRect/>
-          </a:stretch>
-        </p:blipFill>
-        <p:spPr>
-          <a:xfrm>
-            <a:off x="1056799" y="2524267"/>
-            <a:ext cx="7030403" cy="1809465"/>
-          </a:xfrm>
-          <a:prstGeom prst="rect">
-            <a:avLst/>
-          </a:prstGeom>
-        </p:spPr>
-      </p:pic>
-    </p:spTree>
-    <p:extLst>
-      <p:ext uri="{BB962C8B-B14F-4D97-AF65-F5344CB8AC3E}">
-        <p14:creationId xmlns:p14="http://schemas.microsoft.com/office/powerpoint/2010/main" val="379028492"/>
-      </p:ext>
-    </p:extLst>
-  </p:cSld>
-  <p:clrMapOvr>
-    <a:masterClrMapping/>
-  </p:clrMapOvr>
-  <p:timing>
-    <p:tnLst>
-      <p:par>
-        <p:cTn id="1" dur="indefinite" restart="never" nodeType="tmRoot"/>
-      </p:par>
-    </p:tnLst>
-  </p:timing>
 </p:sld>
 </file>
 
